--- a/4주차/SBS게임아카데미_UNITY주말4개월_4주차(유니티).pptx
+++ b/4주차/SBS게임아카데미_UNITY주말4개월_4주차(유니티).pptx
@@ -5,10 +5,10 @@
     <p:sldMasterId id="2147483648" r:id="rId1"/>
   </p:sldMasterIdLst>
   <p:notesMasterIdLst>
-    <p:notesMasterId r:id="rId19"/>
+    <p:notesMasterId r:id="rId22"/>
   </p:notesMasterIdLst>
   <p:handoutMasterIdLst>
-    <p:handoutMasterId r:id="rId20"/>
+    <p:handoutMasterId r:id="rId23"/>
   </p:handoutMasterIdLst>
   <p:sldIdLst>
     <p:sldId id="256" r:id="rId2"/>
@@ -24,10 +24,13 @@
     <p:sldId id="365" r:id="rId12"/>
     <p:sldId id="366" r:id="rId13"/>
     <p:sldId id="367" r:id="rId14"/>
-    <p:sldId id="368" r:id="rId15"/>
-    <p:sldId id="369" r:id="rId16"/>
-    <p:sldId id="370" r:id="rId17"/>
+    <p:sldId id="370" r:id="rId15"/>
+    <p:sldId id="368" r:id="rId16"/>
+    <p:sldId id="369" r:id="rId17"/>
     <p:sldId id="372" r:id="rId18"/>
+    <p:sldId id="373" r:id="rId19"/>
+    <p:sldId id="374" r:id="rId20"/>
+    <p:sldId id="375" r:id="rId21"/>
   </p:sldIdLst>
   <p:sldSz cx="12192000" cy="6858000"/>
   <p:notesSz cx="6858000" cy="9144000"/>
@@ -931,7 +934,7 @@
           <a:p>
             <a:fld id="{5A6BA732-F4BF-43BE-942E-A1FE0FE16617}" type="slidenum">
               <a:rPr lang="ko-KR" altLang="en-US" smtClean="0"/>
-              <a:t>14</a:t>
+              <a:t>15</a:t>
             </a:fld>
             <a:endParaRPr lang="ko-KR" altLang="en-US" dirty="0"/>
           </a:p>
@@ -941,6 +944,90 @@
     <p:extLst>
       <p:ext uri="{BB962C8B-B14F-4D97-AF65-F5344CB8AC3E}">
         <p14:creationId xmlns:p14="http://schemas.microsoft.com/office/powerpoint/2010/main" val="237403425"/>
+      </p:ext>
+    </p:extLst>
+  </p:cSld>
+  <p:clrMapOvr>
+    <a:masterClrMapping/>
+  </p:clrMapOvr>
+</p:notes>
+</file>
+
+<file path=ppt/notesSlides/notesSlide4.xml><?xml version="1.0" encoding="utf-8"?>
+<p:notes xmlns:a="http://schemas.openxmlformats.org/drawingml/2006/main" xmlns:r="http://schemas.openxmlformats.org/officeDocument/2006/relationships" xmlns:p="http://schemas.openxmlformats.org/presentationml/2006/main">
+  <p:cSld>
+    <p:spTree>
+      <p:nvGrpSpPr>
+        <p:cNvPr id="1" name=""/>
+        <p:cNvGrpSpPr/>
+        <p:nvPr/>
+      </p:nvGrpSpPr>
+      <p:grpSpPr>
+        <a:xfrm>
+          <a:off x="0" y="0"/>
+          <a:ext cx="0" cy="0"/>
+          <a:chOff x="0" y="0"/>
+          <a:chExt cx="0" cy="0"/>
+        </a:xfrm>
+      </p:grpSpPr>
+      <p:sp>
+        <p:nvSpPr>
+          <p:cNvPr id="2" name="슬라이드 이미지 개체 틀 1"/>
+          <p:cNvSpPr>
+            <a:spLocks noGrp="1" noRot="1" noChangeAspect="1"/>
+          </p:cNvSpPr>
+          <p:nvPr>
+            <p:ph type="sldImg"/>
+          </p:nvPr>
+        </p:nvSpPr>
+        <p:spPr/>
+      </p:sp>
+      <p:sp>
+        <p:nvSpPr>
+          <p:cNvPr id="3" name="슬라이드 노트 개체 틀 2"/>
+          <p:cNvSpPr>
+            <a:spLocks noGrp="1"/>
+          </p:cNvSpPr>
+          <p:nvPr>
+            <p:ph type="body" idx="1"/>
+          </p:nvPr>
+        </p:nvSpPr>
+        <p:spPr/>
+        <p:txBody>
+          <a:bodyPr/>
+          <a:lstStyle/>
+          <a:p>
+            <a:endParaRPr lang="ko-KR" altLang="en-US" dirty="0"/>
+          </a:p>
+        </p:txBody>
+      </p:sp>
+      <p:sp>
+        <p:nvSpPr>
+          <p:cNvPr id="4" name="슬라이드 번호 개체 틀 3"/>
+          <p:cNvSpPr>
+            <a:spLocks noGrp="1"/>
+          </p:cNvSpPr>
+          <p:nvPr>
+            <p:ph type="sldNum" sz="quarter" idx="5"/>
+          </p:nvPr>
+        </p:nvSpPr>
+        <p:spPr/>
+        <p:txBody>
+          <a:bodyPr/>
+          <a:lstStyle/>
+          <a:p>
+            <a:fld id="{5A6BA732-F4BF-43BE-942E-A1FE0FE16617}" type="slidenum">
+              <a:rPr lang="ko-KR" altLang="en-US" smtClean="0"/>
+              <a:t>18</a:t>
+            </a:fld>
+            <a:endParaRPr lang="ko-KR" altLang="en-US" dirty="0"/>
+          </a:p>
+        </p:txBody>
+      </p:sp>
+    </p:spTree>
+    <p:extLst>
+      <p:ext uri="{BB962C8B-B14F-4D97-AF65-F5344CB8AC3E}">
+        <p14:creationId xmlns:p14="http://schemas.microsoft.com/office/powerpoint/2010/main" val="2369347981"/>
       </p:ext>
     </p:extLst>
   </p:cSld>
@@ -4460,8 +4547,16 @@
           <a:lstStyle/>
           <a:p>
             <a:r>
+              <a:rPr lang="en-US" altLang="ko-KR" sz="2800" b="1" dirty="0"/>
+              <a:t>Unity </a:t>
+            </a:r>
+            <a:r>
+              <a:rPr lang="ko-KR" altLang="en-US" sz="2800" b="1" dirty="0"/>
+              <a:t>개론</a:t>
+            </a:r>
+            <a:r>
               <a:rPr lang="en-US" altLang="ko-KR" dirty="0"/>
-              <a:t>Unity – </a:t>
+              <a:t> – </a:t>
             </a:r>
             <a:r>
               <a:rPr lang="ko-KR" altLang="en-US" dirty="0"/>
@@ -4552,8 +4647,16 @@
           <a:lstStyle/>
           <a:p>
             <a:r>
+              <a:rPr lang="en-US" altLang="ko-KR" sz="2800" b="1" dirty="0"/>
+              <a:t>Unity </a:t>
+            </a:r>
+            <a:r>
+              <a:rPr lang="ko-KR" altLang="en-US" sz="2800" b="1" dirty="0"/>
+              <a:t>개론</a:t>
+            </a:r>
+            <a:r>
               <a:rPr lang="en-US" altLang="ko-KR" dirty="0"/>
-              <a:t>Unity – </a:t>
+              <a:t> – </a:t>
             </a:r>
             <a:r>
               <a:rPr lang="ko-KR" altLang="en-US" dirty="0" err="1"/>
@@ -4661,8 +4764,16 @@
           <a:lstStyle/>
           <a:p>
             <a:r>
+              <a:rPr lang="en-US" altLang="ko-KR" sz="2800" b="1" dirty="0"/>
+              <a:t>Unity </a:t>
+            </a:r>
+            <a:r>
+              <a:rPr lang="ko-KR" altLang="en-US" sz="2800" b="1" dirty="0"/>
+              <a:t>개론</a:t>
+            </a:r>
+            <a:r>
               <a:rPr lang="en-US" altLang="ko-KR" dirty="0"/>
-              <a:t>Unity – </a:t>
+              <a:t> – </a:t>
             </a:r>
             <a:r>
               <a:rPr lang="ko-KR" altLang="en-US" dirty="0"/>
@@ -4753,8 +4864,16 @@
           <a:lstStyle/>
           <a:p>
             <a:r>
+              <a:rPr lang="en-US" altLang="ko-KR" sz="2800" b="1" dirty="0"/>
+              <a:t>Unity </a:t>
+            </a:r>
+            <a:r>
+              <a:rPr lang="ko-KR" altLang="en-US" sz="2800" b="1" dirty="0"/>
+              <a:t>개론</a:t>
+            </a:r>
+            <a:r>
               <a:rPr lang="en-US" altLang="ko-KR" dirty="0"/>
-              <a:t>Unity – </a:t>
+              <a:t> – </a:t>
             </a:r>
             <a:r>
               <a:rPr lang="ko-KR" altLang="en-US" dirty="0" err="1"/>
@@ -4786,8 +4905,8 @@
         </p:blipFill>
         <p:spPr>
           <a:xfrm>
-            <a:off x="3370269" y="139959"/>
-            <a:ext cx="5172788" cy="6858000"/>
+            <a:off x="3684594" y="793102"/>
+            <a:ext cx="4574574" cy="6064898"/>
           </a:xfrm>
           <a:prstGeom prst="rect">
             <a:avLst/>
@@ -4826,6 +4945,759 @@
       </p:grpSpPr>
       <p:sp>
         <p:nvSpPr>
+          <p:cNvPr id="2" name="내용 개체 틀 1">
+            <a:extLst>
+              <a:ext uri="{FF2B5EF4-FFF2-40B4-BE49-F238E27FC236}">
+                <a16:creationId xmlns:a16="http://schemas.microsoft.com/office/drawing/2014/main" id="{A6C76A7E-6573-4180-BE13-24A94A435A9A}"/>
+              </a:ext>
+            </a:extLst>
+          </p:cNvPr>
+          <p:cNvSpPr>
+            <a:spLocks noGrp="1"/>
+          </p:cNvSpPr>
+          <p:nvPr>
+            <p:ph idx="1"/>
+          </p:nvPr>
+        </p:nvSpPr>
+        <p:spPr/>
+        <p:txBody>
+          <a:bodyPr/>
+          <a:lstStyle/>
+          <a:p>
+            <a:r>
+              <a:rPr lang="ko-KR" altLang="en-US" dirty="0"/>
+              <a:t>컴포넌트란</a:t>
+            </a:r>
+            <a:r>
+              <a:rPr lang="en-US" altLang="ko-KR" dirty="0"/>
+              <a:t>?</a:t>
+            </a:r>
+          </a:p>
+          <a:p>
+            <a:pPr lvl="1"/>
+            <a:r>
+              <a:rPr lang="en-US" altLang="ko-KR" dirty="0"/>
+              <a:t>C#</a:t>
+            </a:r>
+            <a:r>
+              <a:rPr lang="ko-KR" altLang="en-US" dirty="0"/>
+              <a:t>에서 배운 </a:t>
+            </a:r>
+            <a:r>
+              <a:rPr lang="en-US" altLang="ko-KR" dirty="0"/>
+              <a:t>Class</a:t>
+            </a:r>
+            <a:r>
+              <a:rPr lang="ko-KR" altLang="en-US" dirty="0"/>
+              <a:t>라고 보면 된다</a:t>
+            </a:r>
+            <a:r>
+              <a:rPr lang="en-US" altLang="ko-KR" dirty="0"/>
+              <a:t>.</a:t>
+            </a:r>
+          </a:p>
+          <a:p>
+            <a:pPr lvl="1"/>
+            <a:r>
+              <a:rPr lang="ko-KR" altLang="en-US" dirty="0"/>
+              <a:t>유니티에선 </a:t>
+            </a:r>
+            <a:r>
+              <a:rPr lang="en-US" altLang="ko-KR" dirty="0" err="1"/>
+              <a:t>GameObject</a:t>
+            </a:r>
+            <a:r>
+              <a:rPr lang="en-US" altLang="ko-KR" dirty="0"/>
+              <a:t> </a:t>
+            </a:r>
+            <a:r>
+              <a:rPr lang="ko-KR" altLang="en-US" dirty="0"/>
+              <a:t>라는 클래스를 기본 단위로 여긴다</a:t>
+            </a:r>
+            <a:r>
+              <a:rPr lang="en-US" altLang="ko-KR" dirty="0"/>
+              <a:t>.</a:t>
+            </a:r>
+          </a:p>
+          <a:p>
+            <a:pPr lvl="1"/>
+            <a:r>
+              <a:rPr lang="en-US" altLang="ko-KR" dirty="0" err="1"/>
+              <a:t>GameObject</a:t>
+            </a:r>
+            <a:r>
+              <a:rPr lang="en-US" altLang="ko-KR" dirty="0"/>
+              <a:t> </a:t>
+            </a:r>
+            <a:r>
+              <a:rPr lang="ko-KR" altLang="en-US" dirty="0"/>
+              <a:t>클래스는 게임 오브젝트 네임</a:t>
+            </a:r>
+            <a:r>
+              <a:rPr lang="en-US" altLang="ko-KR" dirty="0"/>
+              <a:t>, Visible </a:t>
+            </a:r>
+            <a:r>
+              <a:rPr lang="ko-KR" altLang="en-US" dirty="0"/>
+              <a:t>셋팅 여부</a:t>
+            </a:r>
+            <a:r>
+              <a:rPr lang="en-US" altLang="ko-KR" dirty="0"/>
+              <a:t>, Tag,</a:t>
+            </a:r>
+            <a:r>
+              <a:rPr lang="ko-KR" altLang="en-US" dirty="0"/>
+              <a:t> </a:t>
+            </a:r>
+            <a:r>
+              <a:rPr lang="en-US" altLang="ko-KR" dirty="0"/>
+              <a:t>Layer</a:t>
+            </a:r>
+            <a:r>
+              <a:rPr lang="ko-KR" altLang="en-US" dirty="0"/>
+              <a:t> 등등 오브젝트의 설명을 담당한다</a:t>
+            </a:r>
+            <a:r>
+              <a:rPr lang="en-US" altLang="ko-KR" dirty="0"/>
+              <a:t>.</a:t>
+            </a:r>
+          </a:p>
+          <a:p>
+            <a:pPr lvl="2"/>
+            <a:r>
+              <a:rPr lang="en-US" altLang="ko-KR" dirty="0"/>
+              <a:t>Tag</a:t>
+            </a:r>
+            <a:r>
+              <a:rPr lang="ko-KR" altLang="en-US" dirty="0"/>
+              <a:t>는 게임 오브젝트 유형을 나타내고</a:t>
+            </a:r>
+            <a:r>
+              <a:rPr lang="en-US" altLang="ko-KR" dirty="0"/>
+              <a:t>, Layer</a:t>
+            </a:r>
+            <a:r>
+              <a:rPr lang="ko-KR" altLang="en-US" dirty="0"/>
+              <a:t>는 물리엔진에서 </a:t>
+            </a:r>
+            <a:r>
+              <a:rPr lang="ko-KR" altLang="en-US" dirty="0" err="1"/>
+              <a:t>충돌할때</a:t>
+            </a:r>
+            <a:r>
+              <a:rPr lang="ko-KR" altLang="en-US" dirty="0"/>
+              <a:t> 사용하는 그룹이다</a:t>
+            </a:r>
+            <a:r>
+              <a:rPr lang="en-US" altLang="ko-KR" dirty="0"/>
+              <a:t>.</a:t>
+            </a:r>
+            <a:br>
+              <a:rPr lang="en-US" altLang="ko-KR" dirty="0"/>
+            </a:br>
+            <a:br>
+              <a:rPr lang="en-US" altLang="ko-KR" dirty="0"/>
+            </a:br>
+            <a:br>
+              <a:rPr lang="en-US" altLang="ko-KR" dirty="0"/>
+            </a:br>
+            <a:endParaRPr lang="en-US" altLang="ko-KR" dirty="0"/>
+          </a:p>
+          <a:p>
+            <a:pPr lvl="2"/>
+            <a:endParaRPr lang="en-US" altLang="ko-KR" dirty="0"/>
+          </a:p>
+          <a:p>
+            <a:pPr lvl="1"/>
+            <a:r>
+              <a:rPr lang="ko-KR" altLang="en-US" dirty="0"/>
+              <a:t>모든 </a:t>
+            </a:r>
+            <a:r>
+              <a:rPr lang="en-US" altLang="ko-KR" dirty="0" err="1"/>
+              <a:t>GameObject</a:t>
+            </a:r>
+            <a:r>
+              <a:rPr lang="ko-KR" altLang="en-US" dirty="0"/>
+              <a:t>들은 위치 값</a:t>
+            </a:r>
+            <a:r>
+              <a:rPr lang="en-US" altLang="ko-KR" dirty="0"/>
+              <a:t>, </a:t>
+            </a:r>
+            <a:r>
+              <a:rPr lang="ko-KR" altLang="en-US" dirty="0"/>
+              <a:t>회전 값</a:t>
+            </a:r>
+            <a:r>
+              <a:rPr lang="en-US" altLang="ko-KR" dirty="0"/>
+              <a:t>, </a:t>
+            </a:r>
+            <a:r>
+              <a:rPr lang="ko-KR" altLang="en-US" dirty="0"/>
+              <a:t>크기 값을 다루고 있는 </a:t>
+            </a:r>
+            <a:r>
+              <a:rPr lang="en-US" altLang="ko-KR" dirty="0"/>
+              <a:t>Transform </a:t>
+            </a:r>
+            <a:r>
+              <a:rPr lang="ko-KR" altLang="en-US" dirty="0"/>
+              <a:t>이라는 컴포넌트가 장착되어 있다</a:t>
+            </a:r>
+            <a:r>
+              <a:rPr lang="en-US" altLang="ko-KR" dirty="0"/>
+              <a:t>.</a:t>
+            </a:r>
+          </a:p>
+          <a:p>
+            <a:pPr lvl="1"/>
+            <a:endParaRPr lang="en-US" altLang="ko-KR" dirty="0"/>
+          </a:p>
+          <a:p>
+            <a:pPr lvl="1"/>
+            <a:endParaRPr lang="ko-KR" altLang="en-US" dirty="0"/>
+          </a:p>
+        </p:txBody>
+      </p:sp>
+      <p:sp>
+        <p:nvSpPr>
+          <p:cNvPr id="3" name="내용 개체 틀 2">
+            <a:extLst>
+              <a:ext uri="{FF2B5EF4-FFF2-40B4-BE49-F238E27FC236}">
+                <a16:creationId xmlns:a16="http://schemas.microsoft.com/office/drawing/2014/main" id="{BA2401EE-3305-47FD-9DF3-2BBC763D3771}"/>
+              </a:ext>
+            </a:extLst>
+          </p:cNvPr>
+          <p:cNvSpPr>
+            <a:spLocks noGrp="1"/>
+          </p:cNvSpPr>
+          <p:nvPr>
+            <p:ph sz="quarter" idx="13"/>
+          </p:nvPr>
+        </p:nvSpPr>
+        <p:spPr/>
+        <p:txBody>
+          <a:bodyPr/>
+          <a:lstStyle/>
+          <a:p>
+            <a:r>
+              <a:rPr lang="en-US" altLang="ko-KR" dirty="0"/>
+              <a:t>Unity –</a:t>
+            </a:r>
+            <a:r>
+              <a:rPr lang="ko-KR" altLang="en-US" dirty="0"/>
+              <a:t> 컴포넌트와 기본 컴포넌트</a:t>
+            </a:r>
+          </a:p>
+        </p:txBody>
+      </p:sp>
+      <p:pic>
+        <p:nvPicPr>
+          <p:cNvPr id="4" name="그림 3">
+            <a:extLst>
+              <a:ext uri="{FF2B5EF4-FFF2-40B4-BE49-F238E27FC236}">
+                <a16:creationId xmlns:a16="http://schemas.microsoft.com/office/drawing/2014/main" id="{660A3D7B-58D7-4A1F-A8F0-BBE5EF14C4F4}"/>
+              </a:ext>
+            </a:extLst>
+          </p:cNvPr>
+          <p:cNvPicPr>
+            <a:picLocks noChangeAspect="1"/>
+          </p:cNvPicPr>
+          <p:nvPr/>
+        </p:nvPicPr>
+        <p:blipFill>
+          <a:blip r:embed="rId2"/>
+          <a:stretch>
+            <a:fillRect/>
+          </a:stretch>
+        </p:blipFill>
+        <p:spPr>
+          <a:xfrm>
+            <a:off x="3419475" y="2719387"/>
+            <a:ext cx="5353050" cy="581025"/>
+          </a:xfrm>
+          <a:prstGeom prst="rect">
+            <a:avLst/>
+          </a:prstGeom>
+        </p:spPr>
+      </p:pic>
+      <p:pic>
+        <p:nvPicPr>
+          <p:cNvPr id="5" name="그림 4">
+            <a:extLst>
+              <a:ext uri="{FF2B5EF4-FFF2-40B4-BE49-F238E27FC236}">
+                <a16:creationId xmlns:a16="http://schemas.microsoft.com/office/drawing/2014/main" id="{18666945-8108-4812-B102-4F29E34BAE4A}"/>
+              </a:ext>
+            </a:extLst>
+          </p:cNvPr>
+          <p:cNvPicPr>
+            <a:picLocks noChangeAspect="1"/>
+          </p:cNvPicPr>
+          <p:nvPr/>
+        </p:nvPicPr>
+        <p:blipFill>
+          <a:blip r:embed="rId3"/>
+          <a:stretch>
+            <a:fillRect/>
+          </a:stretch>
+        </p:blipFill>
+        <p:spPr>
+          <a:xfrm>
+            <a:off x="3386137" y="3871118"/>
+            <a:ext cx="5419725" cy="895350"/>
+          </a:xfrm>
+          <a:prstGeom prst="rect">
+            <a:avLst/>
+          </a:prstGeom>
+        </p:spPr>
+      </p:pic>
+    </p:spTree>
+    <p:extLst>
+      <p:ext uri="{BB962C8B-B14F-4D97-AF65-F5344CB8AC3E}">
+        <p14:creationId xmlns:p14="http://schemas.microsoft.com/office/powerpoint/2010/main" val="3167331210"/>
+      </p:ext>
+    </p:extLst>
+  </p:cSld>
+  <p:clrMapOvr>
+    <a:masterClrMapping/>
+  </p:clrMapOvr>
+  <p:timing>
+    <p:tnLst>
+      <p:par>
+        <p:cTn id="1" dur="indefinite" restart="never" nodeType="tmRoot">
+          <p:childTnLst>
+            <p:seq concurrent="1" nextAc="seek">
+              <p:cTn id="2" dur="indefinite" nodeType="mainSeq">
+                <p:childTnLst>
+                  <p:par>
+                    <p:cTn id="3" fill="hold">
+                      <p:stCondLst>
+                        <p:cond delay="indefinite"/>
+                      </p:stCondLst>
+                      <p:childTnLst>
+                        <p:par>
+                          <p:cTn id="4" fill="hold">
+                            <p:stCondLst>
+                              <p:cond delay="0"/>
+                            </p:stCondLst>
+                            <p:childTnLst>
+                              <p:par>
+                                <p:cTn id="5" presetID="1" presetClass="entr" presetSubtype="0" fill="hold" nodeType="clickEffect">
+                                  <p:stCondLst>
+                                    <p:cond delay="0"/>
+                                  </p:stCondLst>
+                                  <p:childTnLst>
+                                    <p:set>
+                                      <p:cBhvr>
+                                        <p:cTn id="6" dur="1" fill="hold">
+                                          <p:stCondLst>
+                                            <p:cond delay="0"/>
+                                          </p:stCondLst>
+                                        </p:cTn>
+                                        <p:tgtEl>
+                                          <p:spTgt spid="2">
+                                            <p:txEl>
+                                              <p:pRg st="0" end="0"/>
+                                            </p:txEl>
+                                          </p:spTgt>
+                                        </p:tgtEl>
+                                        <p:attrNameLst>
+                                          <p:attrName>style.visibility</p:attrName>
+                                        </p:attrNameLst>
+                                      </p:cBhvr>
+                                      <p:to>
+                                        <p:strVal val="visible"/>
+                                      </p:to>
+                                    </p:set>
+                                  </p:childTnLst>
+                                </p:cTn>
+                              </p:par>
+                            </p:childTnLst>
+                          </p:cTn>
+                        </p:par>
+                      </p:childTnLst>
+                    </p:cTn>
+                  </p:par>
+                  <p:par>
+                    <p:cTn id="7" fill="hold">
+                      <p:stCondLst>
+                        <p:cond delay="indefinite"/>
+                      </p:stCondLst>
+                      <p:childTnLst>
+                        <p:par>
+                          <p:cTn id="8" fill="hold">
+                            <p:stCondLst>
+                              <p:cond delay="0"/>
+                            </p:stCondLst>
+                            <p:childTnLst>
+                              <p:par>
+                                <p:cTn id="9" presetID="1" presetClass="entr" presetSubtype="0" fill="hold" nodeType="clickEffect">
+                                  <p:stCondLst>
+                                    <p:cond delay="0"/>
+                                  </p:stCondLst>
+                                  <p:childTnLst>
+                                    <p:set>
+                                      <p:cBhvr>
+                                        <p:cTn id="10" dur="1" fill="hold">
+                                          <p:stCondLst>
+                                            <p:cond delay="0"/>
+                                          </p:stCondLst>
+                                        </p:cTn>
+                                        <p:tgtEl>
+                                          <p:spTgt spid="2">
+                                            <p:txEl>
+                                              <p:pRg st="1" end="1"/>
+                                            </p:txEl>
+                                          </p:spTgt>
+                                        </p:tgtEl>
+                                        <p:attrNameLst>
+                                          <p:attrName>style.visibility</p:attrName>
+                                        </p:attrNameLst>
+                                      </p:cBhvr>
+                                      <p:to>
+                                        <p:strVal val="visible"/>
+                                      </p:to>
+                                    </p:set>
+                                  </p:childTnLst>
+                                </p:cTn>
+                              </p:par>
+                            </p:childTnLst>
+                          </p:cTn>
+                        </p:par>
+                      </p:childTnLst>
+                    </p:cTn>
+                  </p:par>
+                  <p:par>
+                    <p:cTn id="11" fill="hold">
+                      <p:stCondLst>
+                        <p:cond delay="indefinite"/>
+                      </p:stCondLst>
+                      <p:childTnLst>
+                        <p:par>
+                          <p:cTn id="12" fill="hold">
+                            <p:stCondLst>
+                              <p:cond delay="0"/>
+                            </p:stCondLst>
+                            <p:childTnLst>
+                              <p:par>
+                                <p:cTn id="13" presetID="1" presetClass="entr" presetSubtype="0" fill="hold" nodeType="clickEffect">
+                                  <p:stCondLst>
+                                    <p:cond delay="0"/>
+                                  </p:stCondLst>
+                                  <p:childTnLst>
+                                    <p:set>
+                                      <p:cBhvr>
+                                        <p:cTn id="14" dur="1" fill="hold">
+                                          <p:stCondLst>
+                                            <p:cond delay="0"/>
+                                          </p:stCondLst>
+                                        </p:cTn>
+                                        <p:tgtEl>
+                                          <p:spTgt spid="2">
+                                            <p:txEl>
+                                              <p:pRg st="2" end="2"/>
+                                            </p:txEl>
+                                          </p:spTgt>
+                                        </p:tgtEl>
+                                        <p:attrNameLst>
+                                          <p:attrName>style.visibility</p:attrName>
+                                        </p:attrNameLst>
+                                      </p:cBhvr>
+                                      <p:to>
+                                        <p:strVal val="visible"/>
+                                      </p:to>
+                                    </p:set>
+                                  </p:childTnLst>
+                                </p:cTn>
+                              </p:par>
+                            </p:childTnLst>
+                          </p:cTn>
+                        </p:par>
+                      </p:childTnLst>
+                    </p:cTn>
+                  </p:par>
+                  <p:par>
+                    <p:cTn id="15" fill="hold">
+                      <p:stCondLst>
+                        <p:cond delay="indefinite"/>
+                      </p:stCondLst>
+                      <p:childTnLst>
+                        <p:par>
+                          <p:cTn id="16" fill="hold">
+                            <p:stCondLst>
+                              <p:cond delay="0"/>
+                            </p:stCondLst>
+                            <p:childTnLst>
+                              <p:par>
+                                <p:cTn id="17" presetID="1" presetClass="entr" presetSubtype="0" fill="hold" nodeType="clickEffect">
+                                  <p:stCondLst>
+                                    <p:cond delay="0"/>
+                                  </p:stCondLst>
+                                  <p:childTnLst>
+                                    <p:set>
+                                      <p:cBhvr>
+                                        <p:cTn id="18" dur="1" fill="hold">
+                                          <p:stCondLst>
+                                            <p:cond delay="0"/>
+                                          </p:stCondLst>
+                                        </p:cTn>
+                                        <p:tgtEl>
+                                          <p:spTgt spid="2">
+                                            <p:txEl>
+                                              <p:pRg st="3" end="3"/>
+                                            </p:txEl>
+                                          </p:spTgt>
+                                        </p:tgtEl>
+                                        <p:attrNameLst>
+                                          <p:attrName>style.visibility</p:attrName>
+                                        </p:attrNameLst>
+                                      </p:cBhvr>
+                                      <p:to>
+                                        <p:strVal val="visible"/>
+                                      </p:to>
+                                    </p:set>
+                                  </p:childTnLst>
+                                </p:cTn>
+                              </p:par>
+                            </p:childTnLst>
+                          </p:cTn>
+                        </p:par>
+                      </p:childTnLst>
+                    </p:cTn>
+                  </p:par>
+                  <p:par>
+                    <p:cTn id="19" fill="hold">
+                      <p:stCondLst>
+                        <p:cond delay="indefinite"/>
+                      </p:stCondLst>
+                      <p:childTnLst>
+                        <p:par>
+                          <p:cTn id="20" fill="hold">
+                            <p:stCondLst>
+                              <p:cond delay="0"/>
+                            </p:stCondLst>
+                            <p:childTnLst>
+                              <p:par>
+                                <p:cTn id="21" presetID="1" presetClass="entr" presetSubtype="0" fill="hold" nodeType="clickEffect">
+                                  <p:stCondLst>
+                                    <p:cond delay="0"/>
+                                  </p:stCondLst>
+                                  <p:childTnLst>
+                                    <p:set>
+                                      <p:cBhvr>
+                                        <p:cTn id="22" dur="1" fill="hold">
+                                          <p:stCondLst>
+                                            <p:cond delay="0"/>
+                                          </p:stCondLst>
+                                        </p:cTn>
+                                        <p:tgtEl>
+                                          <p:spTgt spid="2">
+                                            <p:txEl>
+                                              <p:pRg st="4" end="4"/>
+                                            </p:txEl>
+                                          </p:spTgt>
+                                        </p:tgtEl>
+                                        <p:attrNameLst>
+                                          <p:attrName>style.visibility</p:attrName>
+                                        </p:attrNameLst>
+                                      </p:cBhvr>
+                                      <p:to>
+                                        <p:strVal val="visible"/>
+                                      </p:to>
+                                    </p:set>
+                                  </p:childTnLst>
+                                </p:cTn>
+                              </p:par>
+                            </p:childTnLst>
+                          </p:cTn>
+                        </p:par>
+                      </p:childTnLst>
+                    </p:cTn>
+                  </p:par>
+                  <p:par>
+                    <p:cTn id="23" fill="hold">
+                      <p:stCondLst>
+                        <p:cond delay="indefinite"/>
+                      </p:stCondLst>
+                      <p:childTnLst>
+                        <p:par>
+                          <p:cTn id="24" fill="hold">
+                            <p:stCondLst>
+                              <p:cond delay="0"/>
+                            </p:stCondLst>
+                            <p:childTnLst>
+                              <p:par>
+                                <p:cTn id="25" presetID="1" presetClass="entr" presetSubtype="0" fill="hold" nodeType="clickEffect">
+                                  <p:stCondLst>
+                                    <p:cond delay="0"/>
+                                  </p:stCondLst>
+                                  <p:childTnLst>
+                                    <p:set>
+                                      <p:cBhvr>
+                                        <p:cTn id="26" dur="1" fill="hold">
+                                          <p:stCondLst>
+                                            <p:cond delay="0"/>
+                                          </p:stCondLst>
+                                        </p:cTn>
+                                        <p:tgtEl>
+                                          <p:spTgt spid="4"/>
+                                        </p:tgtEl>
+                                        <p:attrNameLst>
+                                          <p:attrName>style.visibility</p:attrName>
+                                        </p:attrNameLst>
+                                      </p:cBhvr>
+                                      <p:to>
+                                        <p:strVal val="visible"/>
+                                      </p:to>
+                                    </p:set>
+                                  </p:childTnLst>
+                                </p:cTn>
+                              </p:par>
+                            </p:childTnLst>
+                          </p:cTn>
+                        </p:par>
+                      </p:childTnLst>
+                    </p:cTn>
+                  </p:par>
+                  <p:par>
+                    <p:cTn id="27" fill="hold">
+                      <p:stCondLst>
+                        <p:cond delay="indefinite"/>
+                      </p:stCondLst>
+                      <p:childTnLst>
+                        <p:par>
+                          <p:cTn id="28" fill="hold">
+                            <p:stCondLst>
+                              <p:cond delay="0"/>
+                            </p:stCondLst>
+                            <p:childTnLst>
+                              <p:par>
+                                <p:cTn id="29" presetID="1" presetClass="entr" presetSubtype="0" fill="hold" nodeType="clickEffect">
+                                  <p:stCondLst>
+                                    <p:cond delay="0"/>
+                                  </p:stCondLst>
+                                  <p:childTnLst>
+                                    <p:set>
+                                      <p:cBhvr>
+                                        <p:cTn id="30" dur="1" fill="hold">
+                                          <p:stCondLst>
+                                            <p:cond delay="0"/>
+                                          </p:stCondLst>
+                                        </p:cTn>
+                                        <p:tgtEl>
+                                          <p:spTgt spid="2">
+                                            <p:txEl>
+                                              <p:pRg st="6" end="6"/>
+                                            </p:txEl>
+                                          </p:spTgt>
+                                        </p:tgtEl>
+                                        <p:attrNameLst>
+                                          <p:attrName>style.visibility</p:attrName>
+                                        </p:attrNameLst>
+                                      </p:cBhvr>
+                                      <p:to>
+                                        <p:strVal val="visible"/>
+                                      </p:to>
+                                    </p:set>
+                                  </p:childTnLst>
+                                </p:cTn>
+                              </p:par>
+                            </p:childTnLst>
+                          </p:cTn>
+                        </p:par>
+                      </p:childTnLst>
+                    </p:cTn>
+                  </p:par>
+                  <p:par>
+                    <p:cTn id="31" fill="hold">
+                      <p:stCondLst>
+                        <p:cond delay="indefinite"/>
+                      </p:stCondLst>
+                      <p:childTnLst>
+                        <p:par>
+                          <p:cTn id="32" fill="hold">
+                            <p:stCondLst>
+                              <p:cond delay="0"/>
+                            </p:stCondLst>
+                            <p:childTnLst>
+                              <p:par>
+                                <p:cTn id="33" presetID="1" presetClass="entr" presetSubtype="0" fill="hold" nodeType="clickEffect">
+                                  <p:stCondLst>
+                                    <p:cond delay="0"/>
+                                  </p:stCondLst>
+                                  <p:childTnLst>
+                                    <p:set>
+                                      <p:cBhvr>
+                                        <p:cTn id="34" dur="1" fill="hold">
+                                          <p:stCondLst>
+                                            <p:cond delay="0"/>
+                                          </p:stCondLst>
+                                        </p:cTn>
+                                        <p:tgtEl>
+                                          <p:spTgt spid="5"/>
+                                        </p:tgtEl>
+                                        <p:attrNameLst>
+                                          <p:attrName>style.visibility</p:attrName>
+                                        </p:attrNameLst>
+                                      </p:cBhvr>
+                                      <p:to>
+                                        <p:strVal val="visible"/>
+                                      </p:to>
+                                    </p:set>
+                                  </p:childTnLst>
+                                </p:cTn>
+                              </p:par>
+                            </p:childTnLst>
+                          </p:cTn>
+                        </p:par>
+                      </p:childTnLst>
+                    </p:cTn>
+                  </p:par>
+                </p:childTnLst>
+              </p:cTn>
+              <p:prevCondLst>
+                <p:cond evt="onPrev" delay="0">
+                  <p:tgtEl>
+                    <p:sldTgt/>
+                  </p:tgtEl>
+                </p:cond>
+              </p:prevCondLst>
+              <p:nextCondLst>
+                <p:cond evt="onNext" delay="0">
+                  <p:tgtEl>
+                    <p:sldTgt/>
+                  </p:tgtEl>
+                </p:cond>
+              </p:nextCondLst>
+            </p:seq>
+          </p:childTnLst>
+        </p:cTn>
+      </p:par>
+    </p:tnLst>
+  </p:timing>
+</p:sld>
+</file>
+
+<file path=ppt/slides/slide15.xml><?xml version="1.0" encoding="utf-8"?>
+<p:sld xmlns:a="http://schemas.openxmlformats.org/drawingml/2006/main" xmlns:r="http://schemas.openxmlformats.org/officeDocument/2006/relationships" xmlns:p="http://schemas.openxmlformats.org/presentationml/2006/main">
+  <p:cSld>
+    <p:spTree>
+      <p:nvGrpSpPr>
+        <p:cNvPr id="1" name=""/>
+        <p:cNvGrpSpPr/>
+        <p:nvPr/>
+      </p:nvGrpSpPr>
+      <p:grpSpPr>
+        <a:xfrm>
+          <a:off x="0" y="0"/>
+          <a:ext cx="0" cy="0"/>
+          <a:chOff x="0" y="0"/>
+          <a:chExt cx="0" cy="0"/>
+        </a:xfrm>
+      </p:grpSpPr>
+      <p:sp>
+        <p:nvSpPr>
           <p:cNvPr id="3" name="내용 개체 틀 2">
             <a:extLst>
               <a:ext uri="{FF2B5EF4-FFF2-40B4-BE49-F238E27FC236}">
@@ -4945,7 +5817,7 @@
 </p:sld>
 </file>
 
-<file path=ppt/slides/slide15.xml><?xml version="1.0" encoding="utf-8"?>
+<file path=ppt/slides/slide16.xml><?xml version="1.0" encoding="utf-8"?>
 <p:sld xmlns:a="http://schemas.openxmlformats.org/drawingml/2006/main" xmlns:r="http://schemas.openxmlformats.org/officeDocument/2006/relationships" xmlns:p="http://schemas.openxmlformats.org/presentationml/2006/main">
   <p:cSld>
     <p:spTree>
@@ -5122,7 +5994,15 @@
           <a:p>
             <a:r>
               <a:rPr lang="en-US" altLang="ko-KR" dirty="0"/>
-              <a:t>Unity -</a:t>
+              <a:t>Unity </a:t>
+            </a:r>
+            <a:r>
+              <a:rPr lang="ko-KR" altLang="en-US" dirty="0"/>
+              <a:t>구성도 </a:t>
+            </a:r>
+            <a:r>
+              <a:rPr lang="en-US" altLang="ko-KR" dirty="0"/>
+              <a:t>-</a:t>
             </a:r>
             <a:r>
               <a:rPr lang="ko-KR" altLang="en-US" dirty="0"/>
@@ -5575,329 +6455,6 @@
 </p:sld>
 </file>
 
-<file path=ppt/slides/slide16.xml><?xml version="1.0" encoding="utf-8"?>
-<p:sld xmlns:a="http://schemas.openxmlformats.org/drawingml/2006/main" xmlns:r="http://schemas.openxmlformats.org/officeDocument/2006/relationships" xmlns:p="http://schemas.openxmlformats.org/presentationml/2006/main">
-  <p:cSld>
-    <p:spTree>
-      <p:nvGrpSpPr>
-        <p:cNvPr id="1" name=""/>
-        <p:cNvGrpSpPr/>
-        <p:nvPr/>
-      </p:nvGrpSpPr>
-      <p:grpSpPr>
-        <a:xfrm>
-          <a:off x="0" y="0"/>
-          <a:ext cx="0" cy="0"/>
-          <a:chOff x="0" y="0"/>
-          <a:chExt cx="0" cy="0"/>
-        </a:xfrm>
-      </p:grpSpPr>
-      <p:sp>
-        <p:nvSpPr>
-          <p:cNvPr id="2" name="내용 개체 틀 1">
-            <a:extLst>
-              <a:ext uri="{FF2B5EF4-FFF2-40B4-BE49-F238E27FC236}">
-                <a16:creationId xmlns:a16="http://schemas.microsoft.com/office/drawing/2014/main" id="{A6C76A7E-6573-4180-BE13-24A94A435A9A}"/>
-              </a:ext>
-            </a:extLst>
-          </p:cNvPr>
-          <p:cNvSpPr>
-            <a:spLocks noGrp="1"/>
-          </p:cNvSpPr>
-          <p:nvPr>
-            <p:ph idx="1"/>
-          </p:nvPr>
-        </p:nvSpPr>
-        <p:spPr/>
-        <p:txBody>
-          <a:bodyPr/>
-          <a:lstStyle/>
-          <a:p>
-            <a:r>
-              <a:rPr lang="ko-KR" altLang="en-US" dirty="0"/>
-              <a:t>컴포넌트란</a:t>
-            </a:r>
-            <a:r>
-              <a:rPr lang="en-US" altLang="ko-KR" dirty="0"/>
-              <a:t>?</a:t>
-            </a:r>
-          </a:p>
-          <a:p>
-            <a:pPr lvl="1"/>
-            <a:r>
-              <a:rPr lang="en-US" altLang="ko-KR" dirty="0"/>
-              <a:t>C#</a:t>
-            </a:r>
-            <a:r>
-              <a:rPr lang="ko-KR" altLang="en-US" dirty="0"/>
-              <a:t>에서 배운 </a:t>
-            </a:r>
-            <a:r>
-              <a:rPr lang="en-US" altLang="ko-KR" dirty="0"/>
-              <a:t>Class</a:t>
-            </a:r>
-            <a:r>
-              <a:rPr lang="ko-KR" altLang="en-US" dirty="0"/>
-              <a:t>라고 보면 된다</a:t>
-            </a:r>
-            <a:r>
-              <a:rPr lang="en-US" altLang="ko-KR" dirty="0"/>
-              <a:t>.</a:t>
-            </a:r>
-          </a:p>
-          <a:p>
-            <a:pPr lvl="1"/>
-            <a:r>
-              <a:rPr lang="ko-KR" altLang="en-US" dirty="0"/>
-              <a:t>유니티에선 </a:t>
-            </a:r>
-            <a:r>
-              <a:rPr lang="en-US" altLang="ko-KR" dirty="0" err="1"/>
-              <a:t>GameObject</a:t>
-            </a:r>
-            <a:r>
-              <a:rPr lang="en-US" altLang="ko-KR" dirty="0"/>
-              <a:t> </a:t>
-            </a:r>
-            <a:r>
-              <a:rPr lang="ko-KR" altLang="en-US" dirty="0"/>
-              <a:t>라는 클래스를 기본 단위로 여긴다</a:t>
-            </a:r>
-            <a:r>
-              <a:rPr lang="en-US" altLang="ko-KR" dirty="0"/>
-              <a:t>.</a:t>
-            </a:r>
-          </a:p>
-          <a:p>
-            <a:pPr lvl="1"/>
-            <a:r>
-              <a:rPr lang="en-US" altLang="ko-KR" dirty="0" err="1"/>
-              <a:t>GameObject</a:t>
-            </a:r>
-            <a:r>
-              <a:rPr lang="en-US" altLang="ko-KR" dirty="0"/>
-              <a:t> </a:t>
-            </a:r>
-            <a:r>
-              <a:rPr lang="ko-KR" altLang="en-US" dirty="0"/>
-              <a:t>클래스는 게임 오브젝트 네임</a:t>
-            </a:r>
-            <a:r>
-              <a:rPr lang="en-US" altLang="ko-KR" dirty="0"/>
-              <a:t>, Visible </a:t>
-            </a:r>
-            <a:r>
-              <a:rPr lang="ko-KR" altLang="en-US" dirty="0"/>
-              <a:t>셋팅 여부</a:t>
-            </a:r>
-            <a:r>
-              <a:rPr lang="en-US" altLang="ko-KR" dirty="0"/>
-              <a:t>, Tag,</a:t>
-            </a:r>
-            <a:r>
-              <a:rPr lang="ko-KR" altLang="en-US" dirty="0"/>
-              <a:t> </a:t>
-            </a:r>
-            <a:r>
-              <a:rPr lang="en-US" altLang="ko-KR" dirty="0"/>
-              <a:t>Layer</a:t>
-            </a:r>
-            <a:r>
-              <a:rPr lang="ko-KR" altLang="en-US" dirty="0"/>
-              <a:t> 등등 오브젝트의 설명을 담당한다</a:t>
-            </a:r>
-            <a:r>
-              <a:rPr lang="en-US" altLang="ko-KR" dirty="0"/>
-              <a:t>.</a:t>
-            </a:r>
-          </a:p>
-          <a:p>
-            <a:pPr lvl="2"/>
-            <a:r>
-              <a:rPr lang="en-US" altLang="ko-KR" dirty="0"/>
-              <a:t>Tag</a:t>
-            </a:r>
-            <a:r>
-              <a:rPr lang="ko-KR" altLang="en-US" dirty="0"/>
-              <a:t>는 게임 오브젝트 유형을 나타내고</a:t>
-            </a:r>
-            <a:r>
-              <a:rPr lang="en-US" altLang="ko-KR" dirty="0"/>
-              <a:t>, Layer</a:t>
-            </a:r>
-            <a:r>
-              <a:rPr lang="ko-KR" altLang="en-US" dirty="0"/>
-              <a:t>는 충돌되는 그룹이다</a:t>
-            </a:r>
-            <a:r>
-              <a:rPr lang="en-US" altLang="ko-KR" dirty="0"/>
-              <a:t>.</a:t>
-            </a:r>
-            <a:br>
-              <a:rPr lang="en-US" altLang="ko-KR" dirty="0"/>
-            </a:br>
-            <a:br>
-              <a:rPr lang="en-US" altLang="ko-KR" dirty="0"/>
-            </a:br>
-            <a:br>
-              <a:rPr lang="en-US" altLang="ko-KR" dirty="0"/>
-            </a:br>
-            <a:endParaRPr lang="en-US" altLang="ko-KR" dirty="0"/>
-          </a:p>
-          <a:p>
-            <a:pPr lvl="2"/>
-            <a:endParaRPr lang="en-US" altLang="ko-KR" dirty="0"/>
-          </a:p>
-          <a:p>
-            <a:pPr lvl="1"/>
-            <a:r>
-              <a:rPr lang="ko-KR" altLang="en-US" dirty="0"/>
-              <a:t>모든 게임 오브젝트들은 위치 값</a:t>
-            </a:r>
-            <a:r>
-              <a:rPr lang="en-US" altLang="ko-KR" dirty="0"/>
-              <a:t>, </a:t>
-            </a:r>
-            <a:r>
-              <a:rPr lang="ko-KR" altLang="en-US" dirty="0"/>
-              <a:t>회전 값</a:t>
-            </a:r>
-            <a:r>
-              <a:rPr lang="en-US" altLang="ko-KR" dirty="0"/>
-              <a:t>, </a:t>
-            </a:r>
-            <a:r>
-              <a:rPr lang="ko-KR" altLang="en-US" dirty="0"/>
-              <a:t>크기 값을 다루고 있는 </a:t>
-            </a:r>
-            <a:r>
-              <a:rPr lang="en-US" altLang="ko-KR" dirty="0"/>
-              <a:t>Transform </a:t>
-            </a:r>
-            <a:r>
-              <a:rPr lang="ko-KR" altLang="en-US" dirty="0"/>
-              <a:t>이라는 컴포넌트가 장착되어 있다</a:t>
-            </a:r>
-            <a:r>
-              <a:rPr lang="en-US" altLang="ko-KR" dirty="0"/>
-              <a:t>.</a:t>
-            </a:r>
-          </a:p>
-          <a:p>
-            <a:pPr lvl="1"/>
-            <a:endParaRPr lang="en-US" altLang="ko-KR" dirty="0"/>
-          </a:p>
-          <a:p>
-            <a:pPr lvl="1"/>
-            <a:endParaRPr lang="ko-KR" altLang="en-US" dirty="0"/>
-          </a:p>
-        </p:txBody>
-      </p:sp>
-      <p:sp>
-        <p:nvSpPr>
-          <p:cNvPr id="3" name="내용 개체 틀 2">
-            <a:extLst>
-              <a:ext uri="{FF2B5EF4-FFF2-40B4-BE49-F238E27FC236}">
-                <a16:creationId xmlns:a16="http://schemas.microsoft.com/office/drawing/2014/main" id="{BA2401EE-3305-47FD-9DF3-2BBC763D3771}"/>
-              </a:ext>
-            </a:extLst>
-          </p:cNvPr>
-          <p:cNvSpPr>
-            <a:spLocks noGrp="1"/>
-          </p:cNvSpPr>
-          <p:nvPr>
-            <p:ph sz="quarter" idx="13"/>
-          </p:nvPr>
-        </p:nvSpPr>
-        <p:spPr/>
-        <p:txBody>
-          <a:bodyPr/>
-          <a:lstStyle/>
-          <a:p>
-            <a:r>
-              <a:rPr lang="en-US" altLang="ko-KR" dirty="0"/>
-              <a:t>Unity –</a:t>
-            </a:r>
-            <a:r>
-              <a:rPr lang="ko-KR" altLang="en-US" dirty="0"/>
-              <a:t> 컴포넌트와 기본 컴포넌트</a:t>
-            </a:r>
-          </a:p>
-        </p:txBody>
-      </p:sp>
-      <p:pic>
-        <p:nvPicPr>
-          <p:cNvPr id="4" name="그림 3">
-            <a:extLst>
-              <a:ext uri="{FF2B5EF4-FFF2-40B4-BE49-F238E27FC236}">
-                <a16:creationId xmlns:a16="http://schemas.microsoft.com/office/drawing/2014/main" id="{660A3D7B-58D7-4A1F-A8F0-BBE5EF14C4F4}"/>
-              </a:ext>
-            </a:extLst>
-          </p:cNvPr>
-          <p:cNvPicPr>
-            <a:picLocks noChangeAspect="1"/>
-          </p:cNvPicPr>
-          <p:nvPr/>
-        </p:nvPicPr>
-        <p:blipFill>
-          <a:blip r:embed="rId2"/>
-          <a:stretch>
-            <a:fillRect/>
-          </a:stretch>
-        </p:blipFill>
-        <p:spPr>
-          <a:xfrm>
-            <a:off x="3419475" y="2719387"/>
-            <a:ext cx="5353050" cy="581025"/>
-          </a:xfrm>
-          <a:prstGeom prst="rect">
-            <a:avLst/>
-          </a:prstGeom>
-        </p:spPr>
-      </p:pic>
-      <p:pic>
-        <p:nvPicPr>
-          <p:cNvPr id="5" name="그림 4">
-            <a:extLst>
-              <a:ext uri="{FF2B5EF4-FFF2-40B4-BE49-F238E27FC236}">
-                <a16:creationId xmlns:a16="http://schemas.microsoft.com/office/drawing/2014/main" id="{18666945-8108-4812-B102-4F29E34BAE4A}"/>
-              </a:ext>
-            </a:extLst>
-          </p:cNvPr>
-          <p:cNvPicPr>
-            <a:picLocks noChangeAspect="1"/>
-          </p:cNvPicPr>
-          <p:nvPr/>
-        </p:nvPicPr>
-        <p:blipFill>
-          <a:blip r:embed="rId3"/>
-          <a:stretch>
-            <a:fillRect/>
-          </a:stretch>
-        </p:blipFill>
-        <p:spPr>
-          <a:xfrm>
-            <a:off x="3386137" y="3871118"/>
-            <a:ext cx="5419725" cy="895350"/>
-          </a:xfrm>
-          <a:prstGeom prst="rect">
-            <a:avLst/>
-          </a:prstGeom>
-        </p:spPr>
-      </p:pic>
-    </p:spTree>
-    <p:extLst>
-      <p:ext uri="{BB962C8B-B14F-4D97-AF65-F5344CB8AC3E}">
-        <p14:creationId xmlns:p14="http://schemas.microsoft.com/office/powerpoint/2010/main" val="286362078"/>
-      </p:ext>
-    </p:extLst>
-  </p:cSld>
-  <p:clrMapOvr>
-    <a:masterClrMapping/>
-  </p:clrMapOvr>
-</p:sld>
-</file>
-
 <file path=ppt/slides/slide17.xml><?xml version="1.0" encoding="utf-8"?>
 <p:sld xmlns:a="http://schemas.openxmlformats.org/drawingml/2006/main" xmlns:r="http://schemas.openxmlformats.org/officeDocument/2006/relationships" xmlns:p="http://schemas.openxmlformats.org/presentationml/2006/main">
   <p:cSld>
@@ -6007,7 +6564,15 @@
           <a:p>
             <a:r>
               <a:rPr lang="en-US" altLang="ko-KR" dirty="0"/>
-              <a:t>Unity –</a:t>
+              <a:t>Unity </a:t>
+            </a:r>
+            <a:r>
+              <a:rPr lang="ko-KR" altLang="en-US" dirty="0"/>
+              <a:t>구성도 </a:t>
+            </a:r>
+            <a:r>
+              <a:rPr lang="en-US" altLang="ko-KR" dirty="0"/>
+              <a:t>–</a:t>
             </a:r>
             <a:r>
               <a:rPr lang="ko-KR" altLang="en-US" dirty="0"/>
@@ -6056,6 +6621,1357 @@
   <p:clrMapOvr>
     <a:masterClrMapping/>
   </p:clrMapOvr>
+  <p:timing>
+    <p:tnLst>
+      <p:par>
+        <p:cTn id="1" dur="indefinite" restart="never" nodeType="tmRoot">
+          <p:childTnLst>
+            <p:seq concurrent="1" nextAc="seek">
+              <p:cTn id="2" dur="indefinite" nodeType="mainSeq">
+                <p:childTnLst>
+                  <p:par>
+                    <p:cTn id="3" fill="hold">
+                      <p:stCondLst>
+                        <p:cond delay="indefinite"/>
+                      </p:stCondLst>
+                      <p:childTnLst>
+                        <p:par>
+                          <p:cTn id="4" fill="hold">
+                            <p:stCondLst>
+                              <p:cond delay="0"/>
+                            </p:stCondLst>
+                            <p:childTnLst>
+                              <p:par>
+                                <p:cTn id="5" presetID="1" presetClass="entr" presetSubtype="0" fill="hold" nodeType="clickEffect">
+                                  <p:stCondLst>
+                                    <p:cond delay="0"/>
+                                  </p:stCondLst>
+                                  <p:childTnLst>
+                                    <p:set>
+                                      <p:cBhvr>
+                                        <p:cTn id="6" dur="1" fill="hold">
+                                          <p:stCondLst>
+                                            <p:cond delay="0"/>
+                                          </p:stCondLst>
+                                        </p:cTn>
+                                        <p:tgtEl>
+                                          <p:spTgt spid="2">
+                                            <p:txEl>
+                                              <p:pRg st="0" end="0"/>
+                                            </p:txEl>
+                                          </p:spTgt>
+                                        </p:tgtEl>
+                                        <p:attrNameLst>
+                                          <p:attrName>style.visibility</p:attrName>
+                                        </p:attrNameLst>
+                                      </p:cBhvr>
+                                      <p:to>
+                                        <p:strVal val="visible"/>
+                                      </p:to>
+                                    </p:set>
+                                  </p:childTnLst>
+                                </p:cTn>
+                              </p:par>
+                            </p:childTnLst>
+                          </p:cTn>
+                        </p:par>
+                      </p:childTnLst>
+                    </p:cTn>
+                  </p:par>
+                  <p:par>
+                    <p:cTn id="7" fill="hold">
+                      <p:stCondLst>
+                        <p:cond delay="indefinite"/>
+                      </p:stCondLst>
+                      <p:childTnLst>
+                        <p:par>
+                          <p:cTn id="8" fill="hold">
+                            <p:stCondLst>
+                              <p:cond delay="0"/>
+                            </p:stCondLst>
+                            <p:childTnLst>
+                              <p:par>
+                                <p:cTn id="9" presetID="1" presetClass="entr" presetSubtype="0" fill="hold" nodeType="clickEffect">
+                                  <p:stCondLst>
+                                    <p:cond delay="0"/>
+                                  </p:stCondLst>
+                                  <p:childTnLst>
+                                    <p:set>
+                                      <p:cBhvr>
+                                        <p:cTn id="10" dur="1" fill="hold">
+                                          <p:stCondLst>
+                                            <p:cond delay="0"/>
+                                          </p:stCondLst>
+                                        </p:cTn>
+                                        <p:tgtEl>
+                                          <p:spTgt spid="2">
+                                            <p:txEl>
+                                              <p:pRg st="1" end="1"/>
+                                            </p:txEl>
+                                          </p:spTgt>
+                                        </p:tgtEl>
+                                        <p:attrNameLst>
+                                          <p:attrName>style.visibility</p:attrName>
+                                        </p:attrNameLst>
+                                      </p:cBhvr>
+                                      <p:to>
+                                        <p:strVal val="visible"/>
+                                      </p:to>
+                                    </p:set>
+                                  </p:childTnLst>
+                                </p:cTn>
+                              </p:par>
+                            </p:childTnLst>
+                          </p:cTn>
+                        </p:par>
+                      </p:childTnLst>
+                    </p:cTn>
+                  </p:par>
+                  <p:par>
+                    <p:cTn id="11" fill="hold">
+                      <p:stCondLst>
+                        <p:cond delay="indefinite"/>
+                      </p:stCondLst>
+                      <p:childTnLst>
+                        <p:par>
+                          <p:cTn id="12" fill="hold">
+                            <p:stCondLst>
+                              <p:cond delay="0"/>
+                            </p:stCondLst>
+                            <p:childTnLst>
+                              <p:par>
+                                <p:cTn id="13" presetID="1" presetClass="entr" presetSubtype="0" fill="hold" nodeType="clickEffect">
+                                  <p:stCondLst>
+                                    <p:cond delay="0"/>
+                                  </p:stCondLst>
+                                  <p:childTnLst>
+                                    <p:set>
+                                      <p:cBhvr>
+                                        <p:cTn id="14" dur="1" fill="hold">
+                                          <p:stCondLst>
+                                            <p:cond delay="0"/>
+                                          </p:stCondLst>
+                                        </p:cTn>
+                                        <p:tgtEl>
+                                          <p:spTgt spid="2">
+                                            <p:txEl>
+                                              <p:pRg st="2" end="2"/>
+                                            </p:txEl>
+                                          </p:spTgt>
+                                        </p:tgtEl>
+                                        <p:attrNameLst>
+                                          <p:attrName>style.visibility</p:attrName>
+                                        </p:attrNameLst>
+                                      </p:cBhvr>
+                                      <p:to>
+                                        <p:strVal val="visible"/>
+                                      </p:to>
+                                    </p:set>
+                                  </p:childTnLst>
+                                </p:cTn>
+                              </p:par>
+                            </p:childTnLst>
+                          </p:cTn>
+                        </p:par>
+                      </p:childTnLst>
+                    </p:cTn>
+                  </p:par>
+                  <p:par>
+                    <p:cTn id="15" fill="hold">
+                      <p:stCondLst>
+                        <p:cond delay="indefinite"/>
+                      </p:stCondLst>
+                      <p:childTnLst>
+                        <p:par>
+                          <p:cTn id="16" fill="hold">
+                            <p:stCondLst>
+                              <p:cond delay="0"/>
+                            </p:stCondLst>
+                            <p:childTnLst>
+                              <p:par>
+                                <p:cTn id="17" presetID="1" presetClass="entr" presetSubtype="0" fill="hold" nodeType="clickEffect">
+                                  <p:stCondLst>
+                                    <p:cond delay="0"/>
+                                  </p:stCondLst>
+                                  <p:childTnLst>
+                                    <p:set>
+                                      <p:cBhvr>
+                                        <p:cTn id="18" dur="1" fill="hold">
+                                          <p:stCondLst>
+                                            <p:cond delay="0"/>
+                                          </p:stCondLst>
+                                        </p:cTn>
+                                        <p:tgtEl>
+                                          <p:spTgt spid="2">
+                                            <p:txEl>
+                                              <p:pRg st="3" end="3"/>
+                                            </p:txEl>
+                                          </p:spTgt>
+                                        </p:tgtEl>
+                                        <p:attrNameLst>
+                                          <p:attrName>style.visibility</p:attrName>
+                                        </p:attrNameLst>
+                                      </p:cBhvr>
+                                      <p:to>
+                                        <p:strVal val="visible"/>
+                                      </p:to>
+                                    </p:set>
+                                  </p:childTnLst>
+                                </p:cTn>
+                              </p:par>
+                            </p:childTnLst>
+                          </p:cTn>
+                        </p:par>
+                      </p:childTnLst>
+                    </p:cTn>
+                  </p:par>
+                  <p:par>
+                    <p:cTn id="19" fill="hold">
+                      <p:stCondLst>
+                        <p:cond delay="indefinite"/>
+                      </p:stCondLst>
+                      <p:childTnLst>
+                        <p:par>
+                          <p:cTn id="20" fill="hold">
+                            <p:stCondLst>
+                              <p:cond delay="0"/>
+                            </p:stCondLst>
+                            <p:childTnLst>
+                              <p:par>
+                                <p:cTn id="21" presetID="1" presetClass="entr" presetSubtype="0" fill="hold" nodeType="clickEffect">
+                                  <p:stCondLst>
+                                    <p:cond delay="0"/>
+                                  </p:stCondLst>
+                                  <p:childTnLst>
+                                    <p:set>
+                                      <p:cBhvr>
+                                        <p:cTn id="22" dur="1" fill="hold">
+                                          <p:stCondLst>
+                                            <p:cond delay="0"/>
+                                          </p:stCondLst>
+                                        </p:cTn>
+                                        <p:tgtEl>
+                                          <p:spTgt spid="6"/>
+                                        </p:tgtEl>
+                                        <p:attrNameLst>
+                                          <p:attrName>style.visibility</p:attrName>
+                                        </p:attrNameLst>
+                                      </p:cBhvr>
+                                      <p:to>
+                                        <p:strVal val="visible"/>
+                                      </p:to>
+                                    </p:set>
+                                  </p:childTnLst>
+                                </p:cTn>
+                              </p:par>
+                            </p:childTnLst>
+                          </p:cTn>
+                        </p:par>
+                      </p:childTnLst>
+                    </p:cTn>
+                  </p:par>
+                </p:childTnLst>
+              </p:cTn>
+              <p:prevCondLst>
+                <p:cond evt="onPrev" delay="0">
+                  <p:tgtEl>
+                    <p:sldTgt/>
+                  </p:tgtEl>
+                </p:cond>
+              </p:prevCondLst>
+              <p:nextCondLst>
+                <p:cond evt="onNext" delay="0">
+                  <p:tgtEl>
+                    <p:sldTgt/>
+                  </p:tgtEl>
+                </p:cond>
+              </p:nextCondLst>
+            </p:seq>
+          </p:childTnLst>
+        </p:cTn>
+      </p:par>
+    </p:tnLst>
+  </p:timing>
+</p:sld>
+</file>
+
+<file path=ppt/slides/slide18.xml><?xml version="1.0" encoding="utf-8"?>
+<p:sld xmlns:a="http://schemas.openxmlformats.org/drawingml/2006/main" xmlns:r="http://schemas.openxmlformats.org/officeDocument/2006/relationships" xmlns:p="http://schemas.openxmlformats.org/presentationml/2006/main">
+  <p:cSld>
+    <p:spTree>
+      <p:nvGrpSpPr>
+        <p:cNvPr id="1" name=""/>
+        <p:cNvGrpSpPr/>
+        <p:nvPr/>
+      </p:nvGrpSpPr>
+      <p:grpSpPr>
+        <a:xfrm>
+          <a:off x="0" y="0"/>
+          <a:ext cx="0" cy="0"/>
+          <a:chOff x="0" y="0"/>
+          <a:chExt cx="0" cy="0"/>
+        </a:xfrm>
+      </p:grpSpPr>
+      <p:sp>
+        <p:nvSpPr>
+          <p:cNvPr id="10" name="TextBox 9">
+            <a:extLst>
+              <a:ext uri="{FF2B5EF4-FFF2-40B4-BE49-F238E27FC236}">
+                <a16:creationId xmlns:a16="http://schemas.microsoft.com/office/drawing/2014/main" id="{F44BA0AC-94D1-4635-BA2B-BF2AB7EE524A}"/>
+              </a:ext>
+            </a:extLst>
+          </p:cNvPr>
+          <p:cNvSpPr txBox="1"/>
+          <p:nvPr/>
+        </p:nvSpPr>
+        <p:spPr>
+          <a:xfrm>
+            <a:off x="3371850" y="4779408"/>
+            <a:ext cx="5448300" cy="523220"/>
+          </a:xfrm>
+          <a:prstGeom prst="rect">
+            <a:avLst/>
+          </a:prstGeom>
+          <a:noFill/>
+        </p:spPr>
+        <p:txBody>
+          <a:bodyPr wrap="square" rtlCol="0">
+            <a:spAutoFit/>
+          </a:bodyPr>
+          <a:lstStyle/>
+          <a:p>
+            <a:pPr algn="ctr"/>
+            <a:r>
+              <a:rPr lang="en-US" altLang="ko-KR" sz="2800" b="1" dirty="0"/>
+              <a:t>Unity Scripting</a:t>
+            </a:r>
+            <a:endParaRPr lang="ko-KR" altLang="en-US" sz="2800" b="1" dirty="0"/>
+          </a:p>
+        </p:txBody>
+      </p:sp>
+      <p:sp>
+        <p:nvSpPr>
+          <p:cNvPr id="4" name="직사각형 3">
+            <a:extLst>
+              <a:ext uri="{FF2B5EF4-FFF2-40B4-BE49-F238E27FC236}">
+                <a16:creationId xmlns:a16="http://schemas.microsoft.com/office/drawing/2014/main" id="{CC89CB96-0B97-48E9-A8FB-FE6838C980E0}"/>
+              </a:ext>
+            </a:extLst>
+          </p:cNvPr>
+          <p:cNvSpPr/>
+          <p:nvPr/>
+        </p:nvSpPr>
+        <p:spPr>
+          <a:xfrm>
+            <a:off x="2004508" y="5410205"/>
+            <a:ext cx="8182983" cy="646331"/>
+          </a:xfrm>
+          <a:prstGeom prst="rect">
+            <a:avLst/>
+          </a:prstGeom>
+        </p:spPr>
+        <p:txBody>
+          <a:bodyPr wrap="square">
+            <a:spAutoFit/>
+          </a:bodyPr>
+          <a:lstStyle/>
+          <a:p>
+            <a:pPr algn="ctr"/>
+            <a:r>
+              <a:rPr lang="en-US" altLang="ko-KR" b="1" dirty="0"/>
+              <a:t>Unity</a:t>
+            </a:r>
+            <a:r>
+              <a:rPr lang="ko-KR" altLang="en-US" b="1" dirty="0"/>
+              <a:t>에 </a:t>
+            </a:r>
+            <a:r>
+              <a:rPr lang="en-US" altLang="ko-KR" b="1" dirty="0"/>
+              <a:t>C#</a:t>
+            </a:r>
+            <a:r>
+              <a:rPr lang="ko-KR" altLang="en-US" b="1" dirty="0"/>
+              <a:t>을 접목시켜보자</a:t>
+            </a:r>
+            <a:r>
+              <a:rPr lang="en-US" altLang="ko-KR" b="1" dirty="0"/>
+              <a:t>.</a:t>
+            </a:r>
+            <a:br>
+              <a:rPr lang="en-US" altLang="ko-KR" b="1" dirty="0"/>
+            </a:br>
+            <a:r>
+              <a:rPr lang="en-US" altLang="ko-KR" b="1" dirty="0"/>
+              <a:t>Unity</a:t>
+            </a:r>
+            <a:r>
+              <a:rPr lang="ko-KR" altLang="en-US" b="1" dirty="0"/>
+              <a:t>에서 </a:t>
+            </a:r>
+            <a:r>
+              <a:rPr lang="en-US" altLang="ko-KR" b="1" dirty="0"/>
+              <a:t>CS(</a:t>
+            </a:r>
+            <a:r>
+              <a:rPr lang="ko-KR" altLang="en-US" b="1" dirty="0" err="1"/>
+              <a:t>씨샾</a:t>
+            </a:r>
+            <a:r>
+              <a:rPr lang="en-US" altLang="ko-KR" b="1" dirty="0"/>
+              <a:t>) </a:t>
+            </a:r>
+            <a:r>
+              <a:rPr lang="ko-KR" altLang="en-US" b="1" dirty="0"/>
+              <a:t>스크립트 추가하기</a:t>
+            </a:r>
+            <a:endParaRPr lang="en-US" altLang="ko-KR" b="1" dirty="0"/>
+          </a:p>
+        </p:txBody>
+      </p:sp>
+      <p:pic>
+        <p:nvPicPr>
+          <p:cNvPr id="1026" name="Picture 2" descr="Guidelines for Using Unity Trademarks - Unity">
+            <a:extLst>
+              <a:ext uri="{FF2B5EF4-FFF2-40B4-BE49-F238E27FC236}">
+                <a16:creationId xmlns:a16="http://schemas.microsoft.com/office/drawing/2014/main" id="{991B3522-914F-4283-8C3D-EEE8BCAFCCCD}"/>
+              </a:ext>
+            </a:extLst>
+          </p:cNvPr>
+          <p:cNvPicPr>
+            <a:picLocks noChangeAspect="1" noChangeArrowheads="1"/>
+          </p:cNvPicPr>
+          <p:nvPr/>
+        </p:nvPicPr>
+        <p:blipFill>
+          <a:blip r:embed="rId3">
+            <a:extLst>
+              <a:ext uri="{28A0092B-C50C-407E-A947-70E740481C1C}">
+                <a14:useLocalDpi xmlns:a14="http://schemas.microsoft.com/office/drawing/2010/main" val="0"/>
+              </a:ext>
+            </a:extLst>
+          </a:blip>
+          <a:srcRect/>
+          <a:stretch>
+            <a:fillRect/>
+          </a:stretch>
+        </p:blipFill>
+        <p:spPr bwMode="auto">
+          <a:xfrm>
+            <a:off x="4534987" y="1078463"/>
+            <a:ext cx="3122023" cy="3122023"/>
+          </a:xfrm>
+          <a:prstGeom prst="rect">
+            <a:avLst/>
+          </a:prstGeom>
+          <a:noFill/>
+          <a:extLst>
+            <a:ext uri="{909E8E84-426E-40DD-AFC4-6F175D3DCCD1}">
+              <a14:hiddenFill xmlns:a14="http://schemas.microsoft.com/office/drawing/2010/main">
+                <a:solidFill>
+                  <a:srgbClr val="FFFFFF"/>
+                </a:solidFill>
+              </a14:hiddenFill>
+            </a:ext>
+          </a:extLst>
+        </p:spPr>
+      </p:pic>
+    </p:spTree>
+    <p:extLst>
+      <p:ext uri="{BB962C8B-B14F-4D97-AF65-F5344CB8AC3E}">
+        <p14:creationId xmlns:p14="http://schemas.microsoft.com/office/powerpoint/2010/main" val="3921384022"/>
+      </p:ext>
+    </p:extLst>
+  </p:cSld>
+  <p:clrMapOvr>
+    <a:masterClrMapping/>
+  </p:clrMapOvr>
+  <p:timing>
+    <p:tnLst>
+      <p:par>
+        <p:cTn id="1" dur="indefinite" restart="never" nodeType="tmRoot">
+          <p:childTnLst>
+            <p:seq concurrent="1" nextAc="seek">
+              <p:cTn id="2" dur="indefinite" nodeType="mainSeq">
+                <p:childTnLst>
+                  <p:par>
+                    <p:cTn id="3" fill="hold">
+                      <p:stCondLst>
+                        <p:cond delay="indefinite"/>
+                      </p:stCondLst>
+                      <p:childTnLst>
+                        <p:par>
+                          <p:cTn id="4" fill="hold">
+                            <p:stCondLst>
+                              <p:cond delay="0"/>
+                            </p:stCondLst>
+                            <p:childTnLst>
+                              <p:par>
+                                <p:cTn id="5" presetID="10" presetClass="entr" presetSubtype="0" fill="hold" grpId="0" nodeType="clickEffect">
+                                  <p:stCondLst>
+                                    <p:cond delay="0"/>
+                                  </p:stCondLst>
+                                  <p:childTnLst>
+                                    <p:set>
+                                      <p:cBhvr>
+                                        <p:cTn id="6" dur="1" fill="hold">
+                                          <p:stCondLst>
+                                            <p:cond delay="0"/>
+                                          </p:stCondLst>
+                                        </p:cTn>
+                                        <p:tgtEl>
+                                          <p:spTgt spid="4"/>
+                                        </p:tgtEl>
+                                        <p:attrNameLst>
+                                          <p:attrName>style.visibility</p:attrName>
+                                        </p:attrNameLst>
+                                      </p:cBhvr>
+                                      <p:to>
+                                        <p:strVal val="visible"/>
+                                      </p:to>
+                                    </p:set>
+                                    <p:animEffect transition="in" filter="fade">
+                                      <p:cBhvr>
+                                        <p:cTn id="7" dur="500"/>
+                                        <p:tgtEl>
+                                          <p:spTgt spid="4"/>
+                                        </p:tgtEl>
+                                      </p:cBhvr>
+                                    </p:animEffect>
+                                  </p:childTnLst>
+                                </p:cTn>
+                              </p:par>
+                            </p:childTnLst>
+                          </p:cTn>
+                        </p:par>
+                      </p:childTnLst>
+                    </p:cTn>
+                  </p:par>
+                </p:childTnLst>
+              </p:cTn>
+              <p:prevCondLst>
+                <p:cond evt="onPrev" delay="0">
+                  <p:tgtEl>
+                    <p:sldTgt/>
+                  </p:tgtEl>
+                </p:cond>
+              </p:prevCondLst>
+              <p:nextCondLst>
+                <p:cond evt="onNext" delay="0">
+                  <p:tgtEl>
+                    <p:sldTgt/>
+                  </p:tgtEl>
+                </p:cond>
+              </p:nextCondLst>
+            </p:seq>
+          </p:childTnLst>
+        </p:cTn>
+      </p:par>
+    </p:tnLst>
+    <p:bldLst>
+      <p:bldP spid="4" grpId="0"/>
+    </p:bldLst>
+  </p:timing>
+</p:sld>
+</file>
+
+<file path=ppt/slides/slide19.xml><?xml version="1.0" encoding="utf-8"?>
+<p:sld xmlns:a="http://schemas.openxmlformats.org/drawingml/2006/main" xmlns:r="http://schemas.openxmlformats.org/officeDocument/2006/relationships" xmlns:p="http://schemas.openxmlformats.org/presentationml/2006/main">
+  <p:cSld>
+    <p:spTree>
+      <p:nvGrpSpPr>
+        <p:cNvPr id="1" name=""/>
+        <p:cNvGrpSpPr/>
+        <p:nvPr/>
+      </p:nvGrpSpPr>
+      <p:grpSpPr>
+        <a:xfrm>
+          <a:off x="0" y="0"/>
+          <a:ext cx="0" cy="0"/>
+          <a:chOff x="0" y="0"/>
+          <a:chExt cx="0" cy="0"/>
+        </a:xfrm>
+      </p:grpSpPr>
+      <p:sp>
+        <p:nvSpPr>
+          <p:cNvPr id="22" name="내용 개체 틀 1">
+            <a:extLst>
+              <a:ext uri="{FF2B5EF4-FFF2-40B4-BE49-F238E27FC236}">
+                <a16:creationId xmlns:a16="http://schemas.microsoft.com/office/drawing/2014/main" id="{8081FA3D-4B50-40AD-918B-1DA62CDFBA8A}"/>
+              </a:ext>
+            </a:extLst>
+          </p:cNvPr>
+          <p:cNvSpPr>
+            <a:spLocks noGrp="1"/>
+          </p:cNvSpPr>
+          <p:nvPr>
+            <p:ph idx="1"/>
+          </p:nvPr>
+        </p:nvSpPr>
+        <p:spPr>
+          <a:xfrm>
+            <a:off x="401215" y="1253331"/>
+            <a:ext cx="11252719" cy="4830228"/>
+          </a:xfrm>
+        </p:spPr>
+        <p:txBody>
+          <a:bodyPr/>
+          <a:lstStyle/>
+          <a:p>
+            <a:r>
+              <a:rPr lang="ko-KR" altLang="en-US" dirty="0"/>
+              <a:t>라이프 </a:t>
+            </a:r>
+            <a:r>
+              <a:rPr lang="ko-KR" altLang="en-US" dirty="0" err="1"/>
+              <a:t>싸이클</a:t>
+            </a:r>
+            <a:r>
+              <a:rPr lang="en-US" altLang="ko-KR" dirty="0"/>
+              <a:t>?</a:t>
+            </a:r>
+          </a:p>
+          <a:p>
+            <a:pPr lvl="1"/>
+            <a:r>
+              <a:rPr lang="ko-KR" altLang="en-US" dirty="0"/>
+              <a:t>유니티에서 호출해주는 약속된 메소드들이 있다</a:t>
+            </a:r>
+            <a:r>
+              <a:rPr lang="en-US" altLang="ko-KR" dirty="0"/>
+              <a:t>.</a:t>
+            </a:r>
+            <a:br>
+              <a:rPr lang="en-US" altLang="ko-KR" dirty="0"/>
+            </a:br>
+            <a:r>
+              <a:rPr lang="ko-KR" altLang="en-US" dirty="0"/>
+              <a:t>그 메소드들이 어떤 순서로 호출되는지 정리된 것이 라이프사이클</a:t>
+            </a:r>
+            <a:r>
+              <a:rPr lang="en-US" altLang="ko-KR" dirty="0"/>
+              <a:t>.</a:t>
+            </a:r>
+          </a:p>
+          <a:p>
+            <a:r>
+              <a:rPr lang="ko-KR" altLang="en-US" dirty="0"/>
+              <a:t>주요 라이프 </a:t>
+            </a:r>
+            <a:r>
+              <a:rPr lang="ko-KR" altLang="en-US" dirty="0" err="1"/>
+              <a:t>싸이클</a:t>
+            </a:r>
+            <a:endParaRPr lang="en-US" altLang="ko-KR" dirty="0"/>
+          </a:p>
+          <a:p>
+            <a:pPr lvl="1"/>
+            <a:r>
+              <a:rPr lang="en-US" altLang="ko-KR" dirty="0"/>
+              <a:t>Awake</a:t>
+            </a:r>
+          </a:p>
+          <a:p>
+            <a:pPr lvl="1"/>
+            <a:r>
+              <a:rPr lang="en-US" altLang="ko-KR" dirty="0"/>
+              <a:t>Start</a:t>
+            </a:r>
+          </a:p>
+          <a:p>
+            <a:pPr lvl="1"/>
+            <a:r>
+              <a:rPr lang="en-US" altLang="ko-KR" dirty="0"/>
+              <a:t>Update</a:t>
+            </a:r>
+          </a:p>
+          <a:p>
+            <a:pPr lvl="1"/>
+            <a:r>
+              <a:rPr lang="en-US" altLang="ko-KR" dirty="0" err="1"/>
+              <a:t>OnEnable</a:t>
+            </a:r>
+            <a:endParaRPr lang="en-US" altLang="ko-KR" dirty="0"/>
+          </a:p>
+          <a:p>
+            <a:pPr lvl="1"/>
+            <a:r>
+              <a:rPr lang="en-US" altLang="ko-KR" dirty="0" err="1"/>
+              <a:t>OnDisable</a:t>
+            </a:r>
+            <a:endParaRPr lang="en-US" altLang="ko-KR" dirty="0"/>
+          </a:p>
+          <a:p>
+            <a:pPr lvl="1"/>
+            <a:r>
+              <a:rPr lang="en-US" altLang="ko-KR" dirty="0" err="1"/>
+              <a:t>OnDestroy</a:t>
+            </a:r>
+            <a:endParaRPr lang="en-US" altLang="ko-KR" dirty="0"/>
+          </a:p>
+        </p:txBody>
+      </p:sp>
+      <p:sp>
+        <p:nvSpPr>
+          <p:cNvPr id="3" name="내용 개체 틀 2">
+            <a:extLst>
+              <a:ext uri="{FF2B5EF4-FFF2-40B4-BE49-F238E27FC236}">
+                <a16:creationId xmlns:a16="http://schemas.microsoft.com/office/drawing/2014/main" id="{BA2401EE-3305-47FD-9DF3-2BBC763D3771}"/>
+              </a:ext>
+            </a:extLst>
+          </p:cNvPr>
+          <p:cNvSpPr>
+            <a:spLocks noGrp="1"/>
+          </p:cNvSpPr>
+          <p:nvPr>
+            <p:ph sz="quarter" idx="13"/>
+          </p:nvPr>
+        </p:nvSpPr>
+        <p:spPr/>
+        <p:txBody>
+          <a:bodyPr/>
+          <a:lstStyle/>
+          <a:p>
+            <a:r>
+              <a:rPr lang="en-US" altLang="ko-KR" dirty="0"/>
+              <a:t>Unity Scripting – Life Cycle</a:t>
+            </a:r>
+          </a:p>
+        </p:txBody>
+      </p:sp>
+      <p:pic>
+        <p:nvPicPr>
+          <p:cNvPr id="18" name="그래픽 17">
+            <a:extLst>
+              <a:ext uri="{FF2B5EF4-FFF2-40B4-BE49-F238E27FC236}">
+                <a16:creationId xmlns:a16="http://schemas.microsoft.com/office/drawing/2014/main" id="{EDCB2723-55AF-4765-9758-BD46AC239BE9}"/>
+              </a:ext>
+            </a:extLst>
+          </p:cNvPr>
+          <p:cNvPicPr>
+            <a:picLocks noChangeAspect="1"/>
+          </p:cNvPicPr>
+          <p:nvPr/>
+        </p:nvPicPr>
+        <p:blipFill>
+          <a:blip r:embed="rId2">
+            <a:extLst>
+              <a:ext uri="{28A0092B-C50C-407E-A947-70E740481C1C}">
+                <a14:useLocalDpi xmlns:a14="http://schemas.microsoft.com/office/drawing/2010/main" val="0"/>
+              </a:ext>
+              <a:ext uri="{96DAC541-7B7A-43D3-8B79-37D633B846F1}">
+                <asvg:svgBlip xmlns:asvg="http://schemas.microsoft.com/office/drawing/2016/SVG/main" r:embed="rId3"/>
+              </a:ext>
+            </a:extLst>
+          </a:blip>
+          <a:stretch>
+            <a:fillRect/>
+          </a:stretch>
+        </p:blipFill>
+        <p:spPr>
+          <a:xfrm>
+            <a:off x="7643742" y="1314061"/>
+            <a:ext cx="2091827" cy="4356307"/>
+          </a:xfrm>
+          <a:prstGeom prst="rect">
+            <a:avLst/>
+          </a:prstGeom>
+        </p:spPr>
+      </p:pic>
+      <p:sp>
+        <p:nvSpPr>
+          <p:cNvPr id="20" name="TextBox 19">
+            <a:extLst>
+              <a:ext uri="{FF2B5EF4-FFF2-40B4-BE49-F238E27FC236}">
+                <a16:creationId xmlns:a16="http://schemas.microsoft.com/office/drawing/2014/main" id="{297F4EB3-B6B0-4374-A699-97B08AEEB676}"/>
+              </a:ext>
+            </a:extLst>
+          </p:cNvPr>
+          <p:cNvSpPr txBox="1"/>
+          <p:nvPr/>
+        </p:nvSpPr>
+        <p:spPr>
+          <a:xfrm>
+            <a:off x="5781675" y="5670368"/>
+            <a:ext cx="5815962" cy="307777"/>
+          </a:xfrm>
+          <a:prstGeom prst="rect">
+            <a:avLst/>
+          </a:prstGeom>
+          <a:noFill/>
+        </p:spPr>
+        <p:txBody>
+          <a:bodyPr wrap="square">
+            <a:spAutoFit/>
+          </a:bodyPr>
+          <a:lstStyle/>
+          <a:p>
+            <a:pPr algn="ctr"/>
+            <a:r>
+              <a:rPr lang="ko-KR" altLang="en-US" sz="1400" dirty="0">
+                <a:hlinkClick r:id="rId4"/>
+              </a:rPr>
+              <a:t>https://docs.unity3d.com/Manual/ExecutionOrder.html</a:t>
+            </a:r>
+            <a:endParaRPr lang="ko-KR" altLang="en-US" sz="1400" dirty="0"/>
+          </a:p>
+        </p:txBody>
+      </p:sp>
+    </p:spTree>
+    <p:extLst>
+      <p:ext uri="{BB962C8B-B14F-4D97-AF65-F5344CB8AC3E}">
+        <p14:creationId xmlns:p14="http://schemas.microsoft.com/office/powerpoint/2010/main" val="4023514126"/>
+      </p:ext>
+    </p:extLst>
+  </p:cSld>
+  <p:clrMapOvr>
+    <a:masterClrMapping/>
+  </p:clrMapOvr>
+  <p:timing>
+    <p:tnLst>
+      <p:par>
+        <p:cTn id="1" dur="indefinite" restart="never" nodeType="tmRoot">
+          <p:childTnLst>
+            <p:seq concurrent="1" nextAc="seek">
+              <p:cTn id="2" dur="indefinite" nodeType="mainSeq">
+                <p:childTnLst>
+                  <p:par>
+                    <p:cTn id="3" fill="hold">
+                      <p:stCondLst>
+                        <p:cond delay="indefinite"/>
+                      </p:stCondLst>
+                      <p:childTnLst>
+                        <p:par>
+                          <p:cTn id="4" fill="hold">
+                            <p:stCondLst>
+                              <p:cond delay="0"/>
+                            </p:stCondLst>
+                            <p:childTnLst>
+                              <p:par>
+                                <p:cTn id="5" presetID="1" presetClass="entr" presetSubtype="0" fill="hold" nodeType="clickEffect">
+                                  <p:stCondLst>
+                                    <p:cond delay="0"/>
+                                  </p:stCondLst>
+                                  <p:childTnLst>
+                                    <p:set>
+                                      <p:cBhvr>
+                                        <p:cTn id="6" dur="1" fill="hold">
+                                          <p:stCondLst>
+                                            <p:cond delay="0"/>
+                                          </p:stCondLst>
+                                        </p:cTn>
+                                        <p:tgtEl>
+                                          <p:spTgt spid="22">
+                                            <p:txEl>
+                                              <p:pRg st="0" end="0"/>
+                                            </p:txEl>
+                                          </p:spTgt>
+                                        </p:tgtEl>
+                                        <p:attrNameLst>
+                                          <p:attrName>style.visibility</p:attrName>
+                                        </p:attrNameLst>
+                                      </p:cBhvr>
+                                      <p:to>
+                                        <p:strVal val="visible"/>
+                                      </p:to>
+                                    </p:set>
+                                  </p:childTnLst>
+                                </p:cTn>
+                              </p:par>
+                            </p:childTnLst>
+                          </p:cTn>
+                        </p:par>
+                      </p:childTnLst>
+                    </p:cTn>
+                  </p:par>
+                  <p:par>
+                    <p:cTn id="7" fill="hold">
+                      <p:stCondLst>
+                        <p:cond delay="indefinite"/>
+                      </p:stCondLst>
+                      <p:childTnLst>
+                        <p:par>
+                          <p:cTn id="8" fill="hold">
+                            <p:stCondLst>
+                              <p:cond delay="0"/>
+                            </p:stCondLst>
+                            <p:childTnLst>
+                              <p:par>
+                                <p:cTn id="9" presetID="1" presetClass="entr" presetSubtype="0" fill="hold" nodeType="clickEffect">
+                                  <p:stCondLst>
+                                    <p:cond delay="0"/>
+                                  </p:stCondLst>
+                                  <p:childTnLst>
+                                    <p:set>
+                                      <p:cBhvr>
+                                        <p:cTn id="10" dur="1" fill="hold">
+                                          <p:stCondLst>
+                                            <p:cond delay="0"/>
+                                          </p:stCondLst>
+                                        </p:cTn>
+                                        <p:tgtEl>
+                                          <p:spTgt spid="22">
+                                            <p:txEl>
+                                              <p:pRg st="1" end="1"/>
+                                            </p:txEl>
+                                          </p:spTgt>
+                                        </p:tgtEl>
+                                        <p:attrNameLst>
+                                          <p:attrName>style.visibility</p:attrName>
+                                        </p:attrNameLst>
+                                      </p:cBhvr>
+                                      <p:to>
+                                        <p:strVal val="visible"/>
+                                      </p:to>
+                                    </p:set>
+                                  </p:childTnLst>
+                                </p:cTn>
+                              </p:par>
+                            </p:childTnLst>
+                          </p:cTn>
+                        </p:par>
+                      </p:childTnLst>
+                    </p:cTn>
+                  </p:par>
+                  <p:par>
+                    <p:cTn id="11" fill="hold">
+                      <p:stCondLst>
+                        <p:cond delay="indefinite"/>
+                      </p:stCondLst>
+                      <p:childTnLst>
+                        <p:par>
+                          <p:cTn id="12" fill="hold">
+                            <p:stCondLst>
+                              <p:cond delay="0"/>
+                            </p:stCondLst>
+                            <p:childTnLst>
+                              <p:par>
+                                <p:cTn id="13" presetID="1" presetClass="entr" presetSubtype="0" fill="hold" nodeType="clickEffect">
+                                  <p:stCondLst>
+                                    <p:cond delay="0"/>
+                                  </p:stCondLst>
+                                  <p:childTnLst>
+                                    <p:set>
+                                      <p:cBhvr>
+                                        <p:cTn id="14" dur="1" fill="hold">
+                                          <p:stCondLst>
+                                            <p:cond delay="0"/>
+                                          </p:stCondLst>
+                                        </p:cTn>
+                                        <p:tgtEl>
+                                          <p:spTgt spid="18"/>
+                                        </p:tgtEl>
+                                        <p:attrNameLst>
+                                          <p:attrName>style.visibility</p:attrName>
+                                        </p:attrNameLst>
+                                      </p:cBhvr>
+                                      <p:to>
+                                        <p:strVal val="visible"/>
+                                      </p:to>
+                                    </p:set>
+                                  </p:childTnLst>
+                                </p:cTn>
+                              </p:par>
+                              <p:par>
+                                <p:cTn id="15" presetID="1" presetClass="entr" presetSubtype="0" fill="hold" grpId="0" nodeType="withEffect">
+                                  <p:stCondLst>
+                                    <p:cond delay="0"/>
+                                  </p:stCondLst>
+                                  <p:childTnLst>
+                                    <p:set>
+                                      <p:cBhvr>
+                                        <p:cTn id="16" dur="1" fill="hold">
+                                          <p:stCondLst>
+                                            <p:cond delay="0"/>
+                                          </p:stCondLst>
+                                        </p:cTn>
+                                        <p:tgtEl>
+                                          <p:spTgt spid="20"/>
+                                        </p:tgtEl>
+                                        <p:attrNameLst>
+                                          <p:attrName>style.visibility</p:attrName>
+                                        </p:attrNameLst>
+                                      </p:cBhvr>
+                                      <p:to>
+                                        <p:strVal val="visible"/>
+                                      </p:to>
+                                    </p:set>
+                                  </p:childTnLst>
+                                </p:cTn>
+                              </p:par>
+                            </p:childTnLst>
+                          </p:cTn>
+                        </p:par>
+                      </p:childTnLst>
+                    </p:cTn>
+                  </p:par>
+                  <p:par>
+                    <p:cTn id="17" fill="hold">
+                      <p:stCondLst>
+                        <p:cond delay="indefinite"/>
+                      </p:stCondLst>
+                      <p:childTnLst>
+                        <p:par>
+                          <p:cTn id="18" fill="hold">
+                            <p:stCondLst>
+                              <p:cond delay="0"/>
+                            </p:stCondLst>
+                            <p:childTnLst>
+                              <p:par>
+                                <p:cTn id="19" presetID="1" presetClass="entr" presetSubtype="0" fill="hold" nodeType="clickEffect">
+                                  <p:stCondLst>
+                                    <p:cond delay="0"/>
+                                  </p:stCondLst>
+                                  <p:childTnLst>
+                                    <p:set>
+                                      <p:cBhvr>
+                                        <p:cTn id="20" dur="1" fill="hold">
+                                          <p:stCondLst>
+                                            <p:cond delay="0"/>
+                                          </p:stCondLst>
+                                        </p:cTn>
+                                        <p:tgtEl>
+                                          <p:spTgt spid="22">
+                                            <p:txEl>
+                                              <p:pRg st="2" end="2"/>
+                                            </p:txEl>
+                                          </p:spTgt>
+                                        </p:tgtEl>
+                                        <p:attrNameLst>
+                                          <p:attrName>style.visibility</p:attrName>
+                                        </p:attrNameLst>
+                                      </p:cBhvr>
+                                      <p:to>
+                                        <p:strVal val="visible"/>
+                                      </p:to>
+                                    </p:set>
+                                  </p:childTnLst>
+                                </p:cTn>
+                              </p:par>
+                            </p:childTnLst>
+                          </p:cTn>
+                        </p:par>
+                      </p:childTnLst>
+                    </p:cTn>
+                  </p:par>
+                  <p:par>
+                    <p:cTn id="21" fill="hold">
+                      <p:stCondLst>
+                        <p:cond delay="indefinite"/>
+                      </p:stCondLst>
+                      <p:childTnLst>
+                        <p:par>
+                          <p:cTn id="22" fill="hold">
+                            <p:stCondLst>
+                              <p:cond delay="0"/>
+                            </p:stCondLst>
+                            <p:childTnLst>
+                              <p:par>
+                                <p:cTn id="23" presetID="1" presetClass="entr" presetSubtype="0" fill="hold" nodeType="clickEffect">
+                                  <p:stCondLst>
+                                    <p:cond delay="0"/>
+                                  </p:stCondLst>
+                                  <p:childTnLst>
+                                    <p:set>
+                                      <p:cBhvr>
+                                        <p:cTn id="24" dur="1" fill="hold">
+                                          <p:stCondLst>
+                                            <p:cond delay="0"/>
+                                          </p:stCondLst>
+                                        </p:cTn>
+                                        <p:tgtEl>
+                                          <p:spTgt spid="22">
+                                            <p:txEl>
+                                              <p:pRg st="3" end="3"/>
+                                            </p:txEl>
+                                          </p:spTgt>
+                                        </p:tgtEl>
+                                        <p:attrNameLst>
+                                          <p:attrName>style.visibility</p:attrName>
+                                        </p:attrNameLst>
+                                      </p:cBhvr>
+                                      <p:to>
+                                        <p:strVal val="visible"/>
+                                      </p:to>
+                                    </p:set>
+                                  </p:childTnLst>
+                                </p:cTn>
+                              </p:par>
+                            </p:childTnLst>
+                          </p:cTn>
+                        </p:par>
+                      </p:childTnLst>
+                    </p:cTn>
+                  </p:par>
+                  <p:par>
+                    <p:cTn id="25" fill="hold">
+                      <p:stCondLst>
+                        <p:cond delay="indefinite"/>
+                      </p:stCondLst>
+                      <p:childTnLst>
+                        <p:par>
+                          <p:cTn id="26" fill="hold">
+                            <p:stCondLst>
+                              <p:cond delay="0"/>
+                            </p:stCondLst>
+                            <p:childTnLst>
+                              <p:par>
+                                <p:cTn id="27" presetID="1" presetClass="entr" presetSubtype="0" fill="hold" nodeType="clickEffect">
+                                  <p:stCondLst>
+                                    <p:cond delay="0"/>
+                                  </p:stCondLst>
+                                  <p:childTnLst>
+                                    <p:set>
+                                      <p:cBhvr>
+                                        <p:cTn id="28" dur="1" fill="hold">
+                                          <p:stCondLst>
+                                            <p:cond delay="0"/>
+                                          </p:stCondLst>
+                                        </p:cTn>
+                                        <p:tgtEl>
+                                          <p:spTgt spid="22">
+                                            <p:txEl>
+                                              <p:pRg st="4" end="4"/>
+                                            </p:txEl>
+                                          </p:spTgt>
+                                        </p:tgtEl>
+                                        <p:attrNameLst>
+                                          <p:attrName>style.visibility</p:attrName>
+                                        </p:attrNameLst>
+                                      </p:cBhvr>
+                                      <p:to>
+                                        <p:strVal val="visible"/>
+                                      </p:to>
+                                    </p:set>
+                                  </p:childTnLst>
+                                </p:cTn>
+                              </p:par>
+                            </p:childTnLst>
+                          </p:cTn>
+                        </p:par>
+                      </p:childTnLst>
+                    </p:cTn>
+                  </p:par>
+                  <p:par>
+                    <p:cTn id="29" fill="hold">
+                      <p:stCondLst>
+                        <p:cond delay="indefinite"/>
+                      </p:stCondLst>
+                      <p:childTnLst>
+                        <p:par>
+                          <p:cTn id="30" fill="hold">
+                            <p:stCondLst>
+                              <p:cond delay="0"/>
+                            </p:stCondLst>
+                            <p:childTnLst>
+                              <p:par>
+                                <p:cTn id="31" presetID="1" presetClass="entr" presetSubtype="0" fill="hold" nodeType="clickEffect">
+                                  <p:stCondLst>
+                                    <p:cond delay="0"/>
+                                  </p:stCondLst>
+                                  <p:childTnLst>
+                                    <p:set>
+                                      <p:cBhvr>
+                                        <p:cTn id="32" dur="1" fill="hold">
+                                          <p:stCondLst>
+                                            <p:cond delay="0"/>
+                                          </p:stCondLst>
+                                        </p:cTn>
+                                        <p:tgtEl>
+                                          <p:spTgt spid="22">
+                                            <p:txEl>
+                                              <p:pRg st="5" end="5"/>
+                                            </p:txEl>
+                                          </p:spTgt>
+                                        </p:tgtEl>
+                                        <p:attrNameLst>
+                                          <p:attrName>style.visibility</p:attrName>
+                                        </p:attrNameLst>
+                                      </p:cBhvr>
+                                      <p:to>
+                                        <p:strVal val="visible"/>
+                                      </p:to>
+                                    </p:set>
+                                  </p:childTnLst>
+                                </p:cTn>
+                              </p:par>
+                            </p:childTnLst>
+                          </p:cTn>
+                        </p:par>
+                      </p:childTnLst>
+                    </p:cTn>
+                  </p:par>
+                  <p:par>
+                    <p:cTn id="33" fill="hold">
+                      <p:stCondLst>
+                        <p:cond delay="indefinite"/>
+                      </p:stCondLst>
+                      <p:childTnLst>
+                        <p:par>
+                          <p:cTn id="34" fill="hold">
+                            <p:stCondLst>
+                              <p:cond delay="0"/>
+                            </p:stCondLst>
+                            <p:childTnLst>
+                              <p:par>
+                                <p:cTn id="35" presetID="1" presetClass="entr" presetSubtype="0" fill="hold" nodeType="clickEffect">
+                                  <p:stCondLst>
+                                    <p:cond delay="0"/>
+                                  </p:stCondLst>
+                                  <p:childTnLst>
+                                    <p:set>
+                                      <p:cBhvr>
+                                        <p:cTn id="36" dur="1" fill="hold">
+                                          <p:stCondLst>
+                                            <p:cond delay="0"/>
+                                          </p:stCondLst>
+                                        </p:cTn>
+                                        <p:tgtEl>
+                                          <p:spTgt spid="22">
+                                            <p:txEl>
+                                              <p:pRg st="6" end="6"/>
+                                            </p:txEl>
+                                          </p:spTgt>
+                                        </p:tgtEl>
+                                        <p:attrNameLst>
+                                          <p:attrName>style.visibility</p:attrName>
+                                        </p:attrNameLst>
+                                      </p:cBhvr>
+                                      <p:to>
+                                        <p:strVal val="visible"/>
+                                      </p:to>
+                                    </p:set>
+                                  </p:childTnLst>
+                                </p:cTn>
+                              </p:par>
+                            </p:childTnLst>
+                          </p:cTn>
+                        </p:par>
+                      </p:childTnLst>
+                    </p:cTn>
+                  </p:par>
+                  <p:par>
+                    <p:cTn id="37" fill="hold">
+                      <p:stCondLst>
+                        <p:cond delay="indefinite"/>
+                      </p:stCondLst>
+                      <p:childTnLst>
+                        <p:par>
+                          <p:cTn id="38" fill="hold">
+                            <p:stCondLst>
+                              <p:cond delay="0"/>
+                            </p:stCondLst>
+                            <p:childTnLst>
+                              <p:par>
+                                <p:cTn id="39" presetID="1" presetClass="entr" presetSubtype="0" fill="hold" nodeType="clickEffect">
+                                  <p:stCondLst>
+                                    <p:cond delay="0"/>
+                                  </p:stCondLst>
+                                  <p:childTnLst>
+                                    <p:set>
+                                      <p:cBhvr>
+                                        <p:cTn id="40" dur="1" fill="hold">
+                                          <p:stCondLst>
+                                            <p:cond delay="0"/>
+                                          </p:stCondLst>
+                                        </p:cTn>
+                                        <p:tgtEl>
+                                          <p:spTgt spid="22">
+                                            <p:txEl>
+                                              <p:pRg st="7" end="7"/>
+                                            </p:txEl>
+                                          </p:spTgt>
+                                        </p:tgtEl>
+                                        <p:attrNameLst>
+                                          <p:attrName>style.visibility</p:attrName>
+                                        </p:attrNameLst>
+                                      </p:cBhvr>
+                                      <p:to>
+                                        <p:strVal val="visible"/>
+                                      </p:to>
+                                    </p:set>
+                                  </p:childTnLst>
+                                </p:cTn>
+                              </p:par>
+                            </p:childTnLst>
+                          </p:cTn>
+                        </p:par>
+                      </p:childTnLst>
+                    </p:cTn>
+                  </p:par>
+                  <p:par>
+                    <p:cTn id="41" fill="hold">
+                      <p:stCondLst>
+                        <p:cond delay="indefinite"/>
+                      </p:stCondLst>
+                      <p:childTnLst>
+                        <p:par>
+                          <p:cTn id="42" fill="hold">
+                            <p:stCondLst>
+                              <p:cond delay="0"/>
+                            </p:stCondLst>
+                            <p:childTnLst>
+                              <p:par>
+                                <p:cTn id="43" presetID="1" presetClass="entr" presetSubtype="0" fill="hold" nodeType="clickEffect">
+                                  <p:stCondLst>
+                                    <p:cond delay="0"/>
+                                  </p:stCondLst>
+                                  <p:childTnLst>
+                                    <p:set>
+                                      <p:cBhvr>
+                                        <p:cTn id="44" dur="1" fill="hold">
+                                          <p:stCondLst>
+                                            <p:cond delay="0"/>
+                                          </p:stCondLst>
+                                        </p:cTn>
+                                        <p:tgtEl>
+                                          <p:spTgt spid="22">
+                                            <p:txEl>
+                                              <p:pRg st="8" end="8"/>
+                                            </p:txEl>
+                                          </p:spTgt>
+                                        </p:tgtEl>
+                                        <p:attrNameLst>
+                                          <p:attrName>style.visibility</p:attrName>
+                                        </p:attrNameLst>
+                                      </p:cBhvr>
+                                      <p:to>
+                                        <p:strVal val="visible"/>
+                                      </p:to>
+                                    </p:set>
+                                  </p:childTnLst>
+                                </p:cTn>
+                              </p:par>
+                            </p:childTnLst>
+                          </p:cTn>
+                        </p:par>
+                      </p:childTnLst>
+                    </p:cTn>
+                  </p:par>
+                </p:childTnLst>
+              </p:cTn>
+              <p:prevCondLst>
+                <p:cond evt="onPrev" delay="0">
+                  <p:tgtEl>
+                    <p:sldTgt/>
+                  </p:tgtEl>
+                </p:cond>
+              </p:prevCondLst>
+              <p:nextCondLst>
+                <p:cond evt="onNext" delay="0">
+                  <p:tgtEl>
+                    <p:sldTgt/>
+                  </p:tgtEl>
+                </p:cond>
+              </p:nextCondLst>
+            </p:seq>
+          </p:childTnLst>
+        </p:cTn>
+      </p:par>
+    </p:tnLst>
+    <p:bldLst>
+      <p:bldP spid="20" grpId="0"/>
+    </p:bldLst>
+  </p:timing>
 </p:sld>
 </file>
 
@@ -6301,6 +8217,364 @@
     <p:bldLst>
       <p:bldP spid="4" grpId="0"/>
     </p:bldLst>
+  </p:timing>
+</p:sld>
+</file>
+
+<file path=ppt/slides/slide20.xml><?xml version="1.0" encoding="utf-8"?>
+<p:sld xmlns:a="http://schemas.openxmlformats.org/drawingml/2006/main" xmlns:r="http://schemas.openxmlformats.org/officeDocument/2006/relationships" xmlns:p="http://schemas.openxmlformats.org/presentationml/2006/main">
+  <p:cSld>
+    <p:spTree>
+      <p:nvGrpSpPr>
+        <p:cNvPr id="1" name=""/>
+        <p:cNvGrpSpPr/>
+        <p:nvPr/>
+      </p:nvGrpSpPr>
+      <p:grpSpPr>
+        <a:xfrm>
+          <a:off x="0" y="0"/>
+          <a:ext cx="0" cy="0"/>
+          <a:chOff x="0" y="0"/>
+          <a:chExt cx="0" cy="0"/>
+        </a:xfrm>
+      </p:grpSpPr>
+      <p:sp>
+        <p:nvSpPr>
+          <p:cNvPr id="22" name="내용 개체 틀 1">
+            <a:extLst>
+              <a:ext uri="{FF2B5EF4-FFF2-40B4-BE49-F238E27FC236}">
+                <a16:creationId xmlns:a16="http://schemas.microsoft.com/office/drawing/2014/main" id="{8081FA3D-4B50-40AD-918B-1DA62CDFBA8A}"/>
+              </a:ext>
+            </a:extLst>
+          </p:cNvPr>
+          <p:cNvSpPr>
+            <a:spLocks noGrp="1"/>
+          </p:cNvSpPr>
+          <p:nvPr>
+            <p:ph idx="1"/>
+          </p:nvPr>
+        </p:nvSpPr>
+        <p:spPr>
+          <a:xfrm>
+            <a:off x="401215" y="1253331"/>
+            <a:ext cx="11252719" cy="4830228"/>
+          </a:xfrm>
+        </p:spPr>
+        <p:txBody>
+          <a:bodyPr/>
+          <a:lstStyle/>
+          <a:p>
+            <a:r>
+              <a:rPr lang="en-US" altLang="ko-KR" dirty="0"/>
+              <a:t>Coroutine?</a:t>
+            </a:r>
+          </a:p>
+          <a:p>
+            <a:pPr lvl="1"/>
+            <a:r>
+              <a:rPr lang="ko-KR" altLang="en-US" dirty="0"/>
+              <a:t>유니티는 기본적으로 싱글 쓰레드만 지원한다</a:t>
+            </a:r>
+            <a:r>
+              <a:rPr lang="en-US" altLang="ko-KR" dirty="0"/>
+              <a:t>.</a:t>
+            </a:r>
+          </a:p>
+          <a:p>
+            <a:pPr lvl="1"/>
+            <a:r>
+              <a:rPr lang="ko-KR" altLang="en-US" dirty="0"/>
+              <a:t>이 말은 메소드를 호출할 때 그 메소드를 끝내기전까지 프레임이 갱신 안된다는 말</a:t>
+            </a:r>
+            <a:r>
+              <a:rPr lang="en-US" altLang="ko-KR" dirty="0"/>
+              <a:t>.</a:t>
+            </a:r>
+          </a:p>
+          <a:p>
+            <a:pPr lvl="1"/>
+            <a:r>
+              <a:rPr lang="ko-KR" altLang="en-US" dirty="0"/>
+              <a:t>게임을 만들 때 로직을 돌리면서 변경사항을 그려줘야 될 사항들이 생기게 됨</a:t>
+            </a:r>
+            <a:r>
+              <a:rPr lang="en-US" altLang="ko-KR" dirty="0"/>
+              <a:t>.(</a:t>
+            </a:r>
+            <a:r>
+              <a:rPr lang="ko-KR" altLang="en-US" dirty="0"/>
+              <a:t>움직임 연출</a:t>
+            </a:r>
+            <a:r>
+              <a:rPr lang="en-US" altLang="ko-KR" dirty="0"/>
+              <a:t>)</a:t>
+            </a:r>
+          </a:p>
+        </p:txBody>
+      </p:sp>
+      <p:sp>
+        <p:nvSpPr>
+          <p:cNvPr id="3" name="내용 개체 틀 2">
+            <a:extLst>
+              <a:ext uri="{FF2B5EF4-FFF2-40B4-BE49-F238E27FC236}">
+                <a16:creationId xmlns:a16="http://schemas.microsoft.com/office/drawing/2014/main" id="{BA2401EE-3305-47FD-9DF3-2BBC763D3771}"/>
+              </a:ext>
+            </a:extLst>
+          </p:cNvPr>
+          <p:cNvSpPr>
+            <a:spLocks noGrp="1"/>
+          </p:cNvSpPr>
+          <p:nvPr>
+            <p:ph sz="quarter" idx="13"/>
+          </p:nvPr>
+        </p:nvSpPr>
+        <p:spPr/>
+        <p:txBody>
+          <a:bodyPr/>
+          <a:lstStyle/>
+          <a:p>
+            <a:r>
+              <a:rPr lang="en-US" altLang="ko-KR" dirty="0"/>
+              <a:t>Unity Scripting – Coroutine</a:t>
+            </a:r>
+          </a:p>
+        </p:txBody>
+      </p:sp>
+    </p:spTree>
+    <p:extLst>
+      <p:ext uri="{BB962C8B-B14F-4D97-AF65-F5344CB8AC3E}">
+        <p14:creationId xmlns:p14="http://schemas.microsoft.com/office/powerpoint/2010/main" val="3855291826"/>
+      </p:ext>
+    </p:extLst>
+  </p:cSld>
+  <p:clrMapOvr>
+    <a:masterClrMapping/>
+  </p:clrMapOvr>
+  <p:timing>
+    <p:tnLst>
+      <p:par>
+        <p:cTn id="1" dur="indefinite" restart="never" nodeType="tmRoot">
+          <p:childTnLst>
+            <p:seq concurrent="1" nextAc="seek">
+              <p:cTn id="2" dur="indefinite" nodeType="mainSeq">
+                <p:childTnLst>
+                  <p:par>
+                    <p:cTn id="3" fill="hold">
+                      <p:stCondLst>
+                        <p:cond delay="indefinite"/>
+                      </p:stCondLst>
+                      <p:childTnLst>
+                        <p:par>
+                          <p:cTn id="4" fill="hold">
+                            <p:stCondLst>
+                              <p:cond delay="0"/>
+                            </p:stCondLst>
+                            <p:childTnLst>
+                              <p:par>
+                                <p:cTn id="5" presetID="1" presetClass="entr" presetSubtype="0" fill="hold" nodeType="clickEffect">
+                                  <p:stCondLst>
+                                    <p:cond delay="0"/>
+                                  </p:stCondLst>
+                                  <p:childTnLst>
+                                    <p:set>
+                                      <p:cBhvr>
+                                        <p:cTn id="6" dur="1" fill="hold">
+                                          <p:stCondLst>
+                                            <p:cond delay="0"/>
+                                          </p:stCondLst>
+                                        </p:cTn>
+                                        <p:tgtEl>
+                                          <p:spTgt spid="22">
+                                            <p:txEl>
+                                              <p:pRg st="0" end="0"/>
+                                            </p:txEl>
+                                          </p:spTgt>
+                                        </p:tgtEl>
+                                        <p:attrNameLst>
+                                          <p:attrName>style.visibility</p:attrName>
+                                        </p:attrNameLst>
+                                      </p:cBhvr>
+                                      <p:to>
+                                        <p:strVal val="visible"/>
+                                      </p:to>
+                                    </p:set>
+                                  </p:childTnLst>
+                                </p:cTn>
+                              </p:par>
+                            </p:childTnLst>
+                          </p:cTn>
+                        </p:par>
+                      </p:childTnLst>
+                    </p:cTn>
+                  </p:par>
+                  <p:par>
+                    <p:cTn id="7" fill="hold">
+                      <p:stCondLst>
+                        <p:cond delay="indefinite"/>
+                      </p:stCondLst>
+                      <p:childTnLst>
+                        <p:par>
+                          <p:cTn id="8" fill="hold">
+                            <p:stCondLst>
+                              <p:cond delay="0"/>
+                            </p:stCondLst>
+                            <p:childTnLst>
+                              <p:par>
+                                <p:cTn id="9" presetID="1" presetClass="entr" presetSubtype="0" fill="hold" nodeType="clickEffect">
+                                  <p:stCondLst>
+                                    <p:cond delay="0"/>
+                                  </p:stCondLst>
+                                  <p:childTnLst>
+                                    <p:set>
+                                      <p:cBhvr>
+                                        <p:cTn id="10" dur="1" fill="hold">
+                                          <p:stCondLst>
+                                            <p:cond delay="0"/>
+                                          </p:stCondLst>
+                                        </p:cTn>
+                                        <p:tgtEl>
+                                          <p:spTgt spid="22">
+                                            <p:txEl>
+                                              <p:pRg st="1" end="1"/>
+                                            </p:txEl>
+                                          </p:spTgt>
+                                        </p:tgtEl>
+                                        <p:attrNameLst>
+                                          <p:attrName>style.visibility</p:attrName>
+                                        </p:attrNameLst>
+                                      </p:cBhvr>
+                                      <p:to>
+                                        <p:strVal val="visible"/>
+                                      </p:to>
+                                    </p:set>
+                                  </p:childTnLst>
+                                </p:cTn>
+                              </p:par>
+                            </p:childTnLst>
+                          </p:cTn>
+                        </p:par>
+                      </p:childTnLst>
+                    </p:cTn>
+                  </p:par>
+                  <p:par>
+                    <p:cTn id="11" fill="hold">
+                      <p:stCondLst>
+                        <p:cond delay="indefinite"/>
+                      </p:stCondLst>
+                      <p:childTnLst>
+                        <p:par>
+                          <p:cTn id="12" fill="hold">
+                            <p:stCondLst>
+                              <p:cond delay="0"/>
+                            </p:stCondLst>
+                            <p:childTnLst>
+                              <p:par>
+                                <p:cTn id="13" presetID="1" presetClass="entr" presetSubtype="0" fill="hold" nodeType="clickEffect">
+                                  <p:stCondLst>
+                                    <p:cond delay="0"/>
+                                  </p:stCondLst>
+                                  <p:childTnLst>
+                                    <p:set>
+                                      <p:cBhvr>
+                                        <p:cTn id="14" dur="1" fill="hold">
+                                          <p:stCondLst>
+                                            <p:cond delay="0"/>
+                                          </p:stCondLst>
+                                        </p:cTn>
+                                        <p:tgtEl>
+                                          <p:spTgt spid="22">
+                                            <p:txEl>
+                                              <p:pRg st="2" end="2"/>
+                                            </p:txEl>
+                                          </p:spTgt>
+                                        </p:tgtEl>
+                                        <p:attrNameLst>
+                                          <p:attrName>style.visibility</p:attrName>
+                                        </p:attrNameLst>
+                                      </p:cBhvr>
+                                      <p:to>
+                                        <p:strVal val="visible"/>
+                                      </p:to>
+                                    </p:set>
+                                  </p:childTnLst>
+                                </p:cTn>
+                              </p:par>
+                            </p:childTnLst>
+                          </p:cTn>
+                        </p:par>
+                      </p:childTnLst>
+                    </p:cTn>
+                  </p:par>
+                  <p:par>
+                    <p:cTn id="15" fill="hold">
+                      <p:stCondLst>
+                        <p:cond delay="indefinite"/>
+                      </p:stCondLst>
+                      <p:childTnLst>
+                        <p:par>
+                          <p:cTn id="16" fill="hold">
+                            <p:stCondLst>
+                              <p:cond delay="0"/>
+                            </p:stCondLst>
+                            <p:childTnLst>
+                              <p:par>
+                                <p:cTn id="17" presetID="1" presetClass="entr" presetSubtype="0" fill="hold" nodeType="clickEffect">
+                                  <p:stCondLst>
+                                    <p:cond delay="0"/>
+                                  </p:stCondLst>
+                                  <p:childTnLst>
+                                    <p:set>
+                                      <p:cBhvr>
+                                        <p:cTn id="18" dur="1" fill="hold">
+                                          <p:stCondLst>
+                                            <p:cond delay="0"/>
+                                          </p:stCondLst>
+                                        </p:cTn>
+                                        <p:tgtEl>
+                                          <p:spTgt spid="22">
+                                            <p:txEl>
+                                              <p:pRg st="3" end="3"/>
+                                            </p:txEl>
+                                          </p:spTgt>
+                                        </p:tgtEl>
+                                        <p:attrNameLst>
+                                          <p:attrName>style.visibility</p:attrName>
+                                        </p:attrNameLst>
+                                      </p:cBhvr>
+                                      <p:to>
+                                        <p:strVal val="visible"/>
+                                      </p:to>
+                                    </p:set>
+                                  </p:childTnLst>
+                                </p:cTn>
+                              </p:par>
+                            </p:childTnLst>
+                          </p:cTn>
+                        </p:par>
+                      </p:childTnLst>
+                    </p:cTn>
+                  </p:par>
+                </p:childTnLst>
+              </p:cTn>
+              <p:prevCondLst>
+                <p:cond evt="onPrev" delay="0">
+                  <p:tgtEl>
+                    <p:sldTgt/>
+                  </p:tgtEl>
+                </p:cond>
+              </p:prevCondLst>
+              <p:nextCondLst>
+                <p:cond evt="onNext" delay="0">
+                  <p:tgtEl>
+                    <p:sldTgt/>
+                  </p:tgtEl>
+                </p:cond>
+              </p:nextCondLst>
+            </p:seq>
+          </p:childTnLst>
+        </p:cTn>
+      </p:par>
+    </p:tnLst>
   </p:timing>
 </p:sld>
 </file>
@@ -8968,8 +11242,16 @@
           <a:lstStyle/>
           <a:p>
             <a:r>
+              <a:rPr lang="en-US" altLang="ko-KR" sz="2800" b="1" dirty="0"/>
+              <a:t>Unity </a:t>
+            </a:r>
+            <a:r>
+              <a:rPr lang="ko-KR" altLang="en-US" sz="2800" b="1" dirty="0"/>
+              <a:t>개론</a:t>
+            </a:r>
+            <a:r>
               <a:rPr lang="en-US" altLang="ko-KR" dirty="0"/>
-              <a:t>Unity – </a:t>
+              <a:t> – </a:t>
             </a:r>
             <a:r>
               <a:rPr lang="ko-KR" altLang="en-US" dirty="0"/>

--- a/4주차/SBS게임아카데미_UNITY주말4개월_4주차(유니티).pptx
+++ b/4주차/SBS게임아카데미_UNITY주말4개월_4주차(유니티).pptx
@@ -5,10 +5,10 @@
     <p:sldMasterId id="2147483648" r:id="rId1"/>
   </p:sldMasterIdLst>
   <p:notesMasterIdLst>
-    <p:notesMasterId r:id="rId22"/>
+    <p:notesMasterId r:id="rId24"/>
   </p:notesMasterIdLst>
   <p:handoutMasterIdLst>
-    <p:handoutMasterId r:id="rId23"/>
+    <p:handoutMasterId r:id="rId25"/>
   </p:handoutMasterIdLst>
   <p:sldIdLst>
     <p:sldId id="256" r:id="rId2"/>
@@ -31,6 +31,8 @@
     <p:sldId id="373" r:id="rId19"/>
     <p:sldId id="374" r:id="rId20"/>
     <p:sldId id="375" r:id="rId21"/>
+    <p:sldId id="376" r:id="rId22"/>
+    <p:sldId id="377" r:id="rId23"/>
   </p:sldIdLst>
   <p:sldSz cx="12192000" cy="6858000"/>
   <p:notesSz cx="6858000" cy="9144000"/>
@@ -1028,6 +1030,90 @@
     <p:extLst>
       <p:ext uri="{BB962C8B-B14F-4D97-AF65-F5344CB8AC3E}">
         <p14:creationId xmlns:p14="http://schemas.microsoft.com/office/powerpoint/2010/main" val="2369347981"/>
+      </p:ext>
+    </p:extLst>
+  </p:cSld>
+  <p:clrMapOvr>
+    <a:masterClrMapping/>
+  </p:clrMapOvr>
+</p:notes>
+</file>
+
+<file path=ppt/notesSlides/notesSlide5.xml><?xml version="1.0" encoding="utf-8"?>
+<p:notes xmlns:a="http://schemas.openxmlformats.org/drawingml/2006/main" xmlns:r="http://schemas.openxmlformats.org/officeDocument/2006/relationships" xmlns:p="http://schemas.openxmlformats.org/presentationml/2006/main">
+  <p:cSld>
+    <p:spTree>
+      <p:nvGrpSpPr>
+        <p:cNvPr id="1" name=""/>
+        <p:cNvGrpSpPr/>
+        <p:nvPr/>
+      </p:nvGrpSpPr>
+      <p:grpSpPr>
+        <a:xfrm>
+          <a:off x="0" y="0"/>
+          <a:ext cx="0" cy="0"/>
+          <a:chOff x="0" y="0"/>
+          <a:chExt cx="0" cy="0"/>
+        </a:xfrm>
+      </p:grpSpPr>
+      <p:sp>
+        <p:nvSpPr>
+          <p:cNvPr id="2" name="슬라이드 이미지 개체 틀 1"/>
+          <p:cNvSpPr>
+            <a:spLocks noGrp="1" noRot="1" noChangeAspect="1"/>
+          </p:cNvSpPr>
+          <p:nvPr>
+            <p:ph type="sldImg"/>
+          </p:nvPr>
+        </p:nvSpPr>
+        <p:spPr/>
+      </p:sp>
+      <p:sp>
+        <p:nvSpPr>
+          <p:cNvPr id="3" name="슬라이드 노트 개체 틀 2"/>
+          <p:cNvSpPr>
+            <a:spLocks noGrp="1"/>
+          </p:cNvSpPr>
+          <p:nvPr>
+            <p:ph type="body" idx="1"/>
+          </p:nvPr>
+        </p:nvSpPr>
+        <p:spPr/>
+        <p:txBody>
+          <a:bodyPr/>
+          <a:lstStyle/>
+          <a:p>
+            <a:endParaRPr lang="ko-KR" altLang="en-US" dirty="0"/>
+          </a:p>
+        </p:txBody>
+      </p:sp>
+      <p:sp>
+        <p:nvSpPr>
+          <p:cNvPr id="4" name="슬라이드 번호 개체 틀 3"/>
+          <p:cNvSpPr>
+            <a:spLocks noGrp="1"/>
+          </p:cNvSpPr>
+          <p:nvPr>
+            <p:ph type="sldNum" sz="quarter" idx="5"/>
+          </p:nvPr>
+        </p:nvSpPr>
+        <p:spPr/>
+        <p:txBody>
+          <a:bodyPr/>
+          <a:lstStyle/>
+          <a:p>
+            <a:fld id="{5A6BA732-F4BF-43BE-942E-A1FE0FE16617}" type="slidenum">
+              <a:rPr lang="ko-KR" altLang="en-US" smtClean="0"/>
+              <a:t>22</a:t>
+            </a:fld>
+            <a:endParaRPr lang="ko-KR" altLang="en-US" dirty="0"/>
+          </a:p>
+        </p:txBody>
+      </p:sp>
+    </p:spTree>
+    <p:extLst>
+      <p:ext uri="{BB962C8B-B14F-4D97-AF65-F5344CB8AC3E}">
+        <p14:creationId xmlns:p14="http://schemas.microsoft.com/office/powerpoint/2010/main" val="2433938285"/>
       </p:ext>
     </p:extLst>
   </p:cSld>
@@ -8340,6 +8426,36 @@
           </a:p>
         </p:txBody>
       </p:sp>
+      <p:pic>
+        <p:nvPicPr>
+          <p:cNvPr id="4" name="그림 3">
+            <a:extLst>
+              <a:ext uri="{FF2B5EF4-FFF2-40B4-BE49-F238E27FC236}">
+                <a16:creationId xmlns:a16="http://schemas.microsoft.com/office/drawing/2014/main" id="{D5DD2773-EB18-41A0-9574-3045F6769165}"/>
+              </a:ext>
+            </a:extLst>
+          </p:cNvPr>
+          <p:cNvPicPr>
+            <a:picLocks noChangeAspect="1"/>
+          </p:cNvPicPr>
+          <p:nvPr/>
+        </p:nvPicPr>
+        <p:blipFill>
+          <a:blip r:embed="rId2"/>
+          <a:stretch>
+            <a:fillRect/>
+          </a:stretch>
+        </p:blipFill>
+        <p:spPr>
+          <a:xfrm>
+            <a:off x="3476625" y="2395537"/>
+            <a:ext cx="4543425" cy="4470665"/>
+          </a:xfrm>
+          <a:prstGeom prst="rect">
+            <a:avLst/>
+          </a:prstGeom>
+        </p:spPr>
+      </p:pic>
     </p:spTree>
     <p:extLst>
       <p:ext uri="{BB962C8B-B14F-4D97-AF65-F5344CB8AC3E}">
@@ -8554,6 +8670,51 @@
                       </p:childTnLst>
                     </p:cTn>
                   </p:par>
+                  <p:par>
+                    <p:cTn id="19" fill="hold">
+                      <p:stCondLst>
+                        <p:cond delay="indefinite"/>
+                      </p:stCondLst>
+                      <p:childTnLst>
+                        <p:par>
+                          <p:cTn id="20" fill="hold">
+                            <p:stCondLst>
+                              <p:cond delay="0"/>
+                            </p:stCondLst>
+                            <p:childTnLst>
+                              <p:par>
+                                <p:cTn id="21" presetID="1" presetClass="entr" presetSubtype="0" fill="hold" nodeType="clickEffect">
+                                  <p:stCondLst>
+                                    <p:cond delay="0"/>
+                                  </p:stCondLst>
+                                  <p:childTnLst>
+                                    <p:set>
+                                      <p:cBhvr>
+                                        <p:cTn id="22" dur="1" fill="hold">
+                                          <p:stCondLst>
+                                            <p:cond delay="0"/>
+                                          </p:stCondLst>
+                                        </p:cTn>
+                                        <p:tgtEl>
+                                          <p:spTgt spid="4"/>
+                                        </p:tgtEl>
+                                        <p:attrNameLst>
+                                          <p:attrName>style.visibility</p:attrName>
+                                        </p:attrNameLst>
+                                      </p:cBhvr>
+                                      <p:to>
+                                        <p:strVal val="visible"/>
+                                      </p:to>
+                                    </p:set>
+                                  </p:childTnLst>
+                                </p:cTn>
+                              </p:par>
+                            </p:childTnLst>
+                          </p:cTn>
+                        </p:par>
+                      </p:childTnLst>
+                    </p:cTn>
+                  </p:par>
                 </p:childTnLst>
               </p:cTn>
               <p:prevCondLst>
@@ -8575,6 +8736,348 @@
         </p:cTn>
       </p:par>
     </p:tnLst>
+  </p:timing>
+</p:sld>
+</file>
+
+<file path=ppt/slides/slide21.xml><?xml version="1.0" encoding="utf-8"?>
+<p:sld xmlns:a="http://schemas.openxmlformats.org/drawingml/2006/main" xmlns:r="http://schemas.openxmlformats.org/officeDocument/2006/relationships" xmlns:p="http://schemas.openxmlformats.org/presentationml/2006/main">
+  <p:cSld>
+    <p:spTree>
+      <p:nvGrpSpPr>
+        <p:cNvPr id="1" name=""/>
+        <p:cNvGrpSpPr/>
+        <p:nvPr/>
+      </p:nvGrpSpPr>
+      <p:grpSpPr>
+        <a:xfrm>
+          <a:off x="0" y="0"/>
+          <a:ext cx="0" cy="0"/>
+          <a:chOff x="0" y="0"/>
+          <a:chExt cx="0" cy="0"/>
+        </a:xfrm>
+      </p:grpSpPr>
+      <p:sp>
+        <p:nvSpPr>
+          <p:cNvPr id="3" name="내용 개체 틀 2">
+            <a:extLst>
+              <a:ext uri="{FF2B5EF4-FFF2-40B4-BE49-F238E27FC236}">
+                <a16:creationId xmlns:a16="http://schemas.microsoft.com/office/drawing/2014/main" id="{BA2401EE-3305-47FD-9DF3-2BBC763D3771}"/>
+              </a:ext>
+            </a:extLst>
+          </p:cNvPr>
+          <p:cNvSpPr>
+            <a:spLocks noGrp="1"/>
+          </p:cNvSpPr>
+          <p:nvPr>
+            <p:ph sz="quarter" idx="13"/>
+          </p:nvPr>
+        </p:nvSpPr>
+        <p:spPr/>
+        <p:txBody>
+          <a:bodyPr/>
+          <a:lstStyle/>
+          <a:p>
+            <a:r>
+              <a:rPr lang="en-US" altLang="ko-KR" dirty="0"/>
+              <a:t>Unity Scripting – Coroutine</a:t>
+            </a:r>
+          </a:p>
+        </p:txBody>
+      </p:sp>
+      <p:pic>
+        <p:nvPicPr>
+          <p:cNvPr id="6" name="그림 5">
+            <a:extLst>
+              <a:ext uri="{FF2B5EF4-FFF2-40B4-BE49-F238E27FC236}">
+                <a16:creationId xmlns:a16="http://schemas.microsoft.com/office/drawing/2014/main" id="{89747C5B-7999-4B48-A4B6-1F71332E69F1}"/>
+              </a:ext>
+            </a:extLst>
+          </p:cNvPr>
+          <p:cNvPicPr>
+            <a:picLocks noChangeAspect="1"/>
+          </p:cNvPicPr>
+          <p:nvPr/>
+        </p:nvPicPr>
+        <p:blipFill>
+          <a:blip r:embed="rId2"/>
+          <a:stretch>
+            <a:fillRect/>
+          </a:stretch>
+        </p:blipFill>
+        <p:spPr>
+          <a:xfrm>
+            <a:off x="3181350" y="1095374"/>
+            <a:ext cx="5005387" cy="5202815"/>
+          </a:xfrm>
+          <a:prstGeom prst="rect">
+            <a:avLst/>
+          </a:prstGeom>
+        </p:spPr>
+      </p:pic>
+    </p:spTree>
+    <p:extLst>
+      <p:ext uri="{BB962C8B-B14F-4D97-AF65-F5344CB8AC3E}">
+        <p14:creationId xmlns:p14="http://schemas.microsoft.com/office/powerpoint/2010/main" val="3043772242"/>
+      </p:ext>
+    </p:extLst>
+  </p:cSld>
+  <p:clrMapOvr>
+    <a:masterClrMapping/>
+  </p:clrMapOvr>
+</p:sld>
+</file>
+
+<file path=ppt/slides/slide22.xml><?xml version="1.0" encoding="utf-8"?>
+<p:sld xmlns:a="http://schemas.openxmlformats.org/drawingml/2006/main" xmlns:r="http://schemas.openxmlformats.org/officeDocument/2006/relationships" xmlns:p="http://schemas.openxmlformats.org/presentationml/2006/main">
+  <p:cSld>
+    <p:spTree>
+      <p:nvGrpSpPr>
+        <p:cNvPr id="1" name=""/>
+        <p:cNvGrpSpPr/>
+        <p:nvPr/>
+      </p:nvGrpSpPr>
+      <p:grpSpPr>
+        <a:xfrm>
+          <a:off x="0" y="0"/>
+          <a:ext cx="0" cy="0"/>
+          <a:chOff x="0" y="0"/>
+          <a:chExt cx="0" cy="0"/>
+        </a:xfrm>
+      </p:grpSpPr>
+      <p:sp>
+        <p:nvSpPr>
+          <p:cNvPr id="10" name="TextBox 9">
+            <a:extLst>
+              <a:ext uri="{FF2B5EF4-FFF2-40B4-BE49-F238E27FC236}">
+                <a16:creationId xmlns:a16="http://schemas.microsoft.com/office/drawing/2014/main" id="{F44BA0AC-94D1-4635-BA2B-BF2AB7EE524A}"/>
+              </a:ext>
+            </a:extLst>
+          </p:cNvPr>
+          <p:cNvSpPr txBox="1"/>
+          <p:nvPr/>
+        </p:nvSpPr>
+        <p:spPr>
+          <a:xfrm>
+            <a:off x="3371850" y="4779408"/>
+            <a:ext cx="5448300" cy="523220"/>
+          </a:xfrm>
+          <a:prstGeom prst="rect">
+            <a:avLst/>
+          </a:prstGeom>
+          <a:noFill/>
+        </p:spPr>
+        <p:txBody>
+          <a:bodyPr wrap="square" rtlCol="0">
+            <a:spAutoFit/>
+          </a:bodyPr>
+          <a:lstStyle/>
+          <a:p>
+            <a:pPr algn="ctr"/>
+            <a:r>
+              <a:rPr lang="en-US" altLang="ko-KR" sz="2800" b="1" dirty="0"/>
+              <a:t>Unity Scripting</a:t>
+            </a:r>
+            <a:endParaRPr lang="ko-KR" altLang="en-US" sz="2800" b="1" dirty="0"/>
+          </a:p>
+        </p:txBody>
+      </p:sp>
+      <p:sp>
+        <p:nvSpPr>
+          <p:cNvPr id="4" name="직사각형 3">
+            <a:extLst>
+              <a:ext uri="{FF2B5EF4-FFF2-40B4-BE49-F238E27FC236}">
+                <a16:creationId xmlns:a16="http://schemas.microsoft.com/office/drawing/2014/main" id="{CC89CB96-0B97-48E9-A8FB-FE6838C980E0}"/>
+              </a:ext>
+            </a:extLst>
+          </p:cNvPr>
+          <p:cNvSpPr/>
+          <p:nvPr/>
+        </p:nvSpPr>
+        <p:spPr>
+          <a:xfrm>
+            <a:off x="885826" y="5410205"/>
+            <a:ext cx="10420348" cy="646331"/>
+          </a:xfrm>
+          <a:prstGeom prst="rect">
+            <a:avLst/>
+          </a:prstGeom>
+        </p:spPr>
+        <p:txBody>
+          <a:bodyPr wrap="square">
+            <a:spAutoFit/>
+          </a:bodyPr>
+          <a:lstStyle/>
+          <a:p>
+            <a:pPr algn="ctr"/>
+            <a:r>
+              <a:rPr lang="en-US" altLang="ko-KR" b="1" dirty="0"/>
+              <a:t>C#</a:t>
+            </a:r>
+            <a:r>
+              <a:rPr lang="ko-KR" altLang="en-US" b="1" dirty="0"/>
+              <a:t>을 열심히 배우셨다면 더 이상 유니티에선 배울 기술이 없다</a:t>
+            </a:r>
+            <a:r>
+              <a:rPr lang="en-US" altLang="ko-KR" b="1" dirty="0"/>
+              <a:t>.</a:t>
+            </a:r>
+          </a:p>
+          <a:p>
+            <a:pPr algn="ctr"/>
+            <a:r>
+              <a:rPr lang="ko-KR" altLang="en-US" b="1" dirty="0"/>
+              <a:t>이제 어떤 기능들이 만들어져 있는지 여러 유형의 게임을 만들면서 몸에 익혀본다</a:t>
+            </a:r>
+            <a:r>
+              <a:rPr lang="en-US" altLang="ko-KR" b="1" dirty="0"/>
+              <a:t>.</a:t>
+            </a:r>
+          </a:p>
+        </p:txBody>
+      </p:sp>
+      <p:pic>
+        <p:nvPicPr>
+          <p:cNvPr id="1026" name="Picture 2" descr="Guidelines for Using Unity Trademarks - Unity">
+            <a:extLst>
+              <a:ext uri="{FF2B5EF4-FFF2-40B4-BE49-F238E27FC236}">
+                <a16:creationId xmlns:a16="http://schemas.microsoft.com/office/drawing/2014/main" id="{991B3522-914F-4283-8C3D-EEE8BCAFCCCD}"/>
+              </a:ext>
+            </a:extLst>
+          </p:cNvPr>
+          <p:cNvPicPr>
+            <a:picLocks noChangeAspect="1" noChangeArrowheads="1"/>
+          </p:cNvPicPr>
+          <p:nvPr/>
+        </p:nvPicPr>
+        <p:blipFill>
+          <a:blip r:embed="rId3">
+            <a:extLst>
+              <a:ext uri="{28A0092B-C50C-407E-A947-70E740481C1C}">
+                <a14:useLocalDpi xmlns:a14="http://schemas.microsoft.com/office/drawing/2010/main" val="0"/>
+              </a:ext>
+            </a:extLst>
+          </a:blip>
+          <a:srcRect/>
+          <a:stretch>
+            <a:fillRect/>
+          </a:stretch>
+        </p:blipFill>
+        <p:spPr bwMode="auto">
+          <a:xfrm>
+            <a:off x="4534987" y="1078463"/>
+            <a:ext cx="3122023" cy="3122023"/>
+          </a:xfrm>
+          <a:prstGeom prst="rect">
+            <a:avLst/>
+          </a:prstGeom>
+          <a:noFill/>
+          <a:extLst>
+            <a:ext uri="{909E8E84-426E-40DD-AFC4-6F175D3DCCD1}">
+              <a14:hiddenFill xmlns:a14="http://schemas.microsoft.com/office/drawing/2010/main">
+                <a:solidFill>
+                  <a:srgbClr val="FFFFFF"/>
+                </a:solidFill>
+              </a14:hiddenFill>
+            </a:ext>
+          </a:extLst>
+        </p:spPr>
+      </p:pic>
+    </p:spTree>
+    <p:extLst>
+      <p:ext uri="{BB962C8B-B14F-4D97-AF65-F5344CB8AC3E}">
+        <p14:creationId xmlns:p14="http://schemas.microsoft.com/office/powerpoint/2010/main" val="2202152274"/>
+      </p:ext>
+    </p:extLst>
+  </p:cSld>
+  <p:clrMapOvr>
+    <a:masterClrMapping/>
+  </p:clrMapOvr>
+  <p:timing>
+    <p:tnLst>
+      <p:par>
+        <p:cTn id="1" dur="indefinite" restart="never" nodeType="tmRoot">
+          <p:childTnLst>
+            <p:seq concurrent="1" nextAc="seek">
+              <p:cTn id="2" dur="indefinite" nodeType="mainSeq">
+                <p:childTnLst>
+                  <p:par>
+                    <p:cTn id="3" fill="hold">
+                      <p:stCondLst>
+                        <p:cond delay="indefinite"/>
+                      </p:stCondLst>
+                      <p:childTnLst>
+                        <p:par>
+                          <p:cTn id="4" fill="hold">
+                            <p:stCondLst>
+                              <p:cond delay="0"/>
+                            </p:stCondLst>
+                            <p:childTnLst>
+                              <p:par>
+                                <p:cTn id="5" presetID="10" presetClass="entr" presetSubtype="0" fill="hold" grpId="0" nodeType="clickEffect">
+                                  <p:stCondLst>
+                                    <p:cond delay="0"/>
+                                  </p:stCondLst>
+                                  <p:childTnLst>
+                                    <p:set>
+                                      <p:cBhvr>
+                                        <p:cTn id="6" dur="1" fill="hold">
+                                          <p:stCondLst>
+                                            <p:cond delay="0"/>
+                                          </p:stCondLst>
+                                        </p:cTn>
+                                        <p:tgtEl>
+                                          <p:spTgt spid="4"/>
+                                        </p:tgtEl>
+                                        <p:attrNameLst>
+                                          <p:attrName>style.visibility</p:attrName>
+                                        </p:attrNameLst>
+                                      </p:cBhvr>
+                                      <p:to>
+                                        <p:strVal val="visible"/>
+                                      </p:to>
+                                    </p:set>
+                                    <p:animEffect transition="in" filter="fade">
+                                      <p:cBhvr>
+                                        <p:cTn id="7" dur="500"/>
+                                        <p:tgtEl>
+                                          <p:spTgt spid="4"/>
+                                        </p:tgtEl>
+                                      </p:cBhvr>
+                                    </p:animEffect>
+                                  </p:childTnLst>
+                                </p:cTn>
+                              </p:par>
+                            </p:childTnLst>
+                          </p:cTn>
+                        </p:par>
+                      </p:childTnLst>
+                    </p:cTn>
+                  </p:par>
+                </p:childTnLst>
+              </p:cTn>
+              <p:prevCondLst>
+                <p:cond evt="onPrev" delay="0">
+                  <p:tgtEl>
+                    <p:sldTgt/>
+                  </p:tgtEl>
+                </p:cond>
+              </p:prevCondLst>
+              <p:nextCondLst>
+                <p:cond evt="onNext" delay="0">
+                  <p:tgtEl>
+                    <p:sldTgt/>
+                  </p:tgtEl>
+                </p:cond>
+              </p:nextCondLst>
+            </p:seq>
+          </p:childTnLst>
+        </p:cTn>
+      </p:par>
+    </p:tnLst>
+    <p:bldLst>
+      <p:bldP spid="4" grpId="0"/>
+    </p:bldLst>
   </p:timing>
 </p:sld>
 </file>

--- a/4주차/SBS게임아카데미_UNITY주말4개월_4주차(유니티).pptx
+++ b/4주차/SBS게임아카데미_UNITY주말4개월_4주차(유니티).pptx
@@ -4559,10 +4559,10 @@
                 <a:latin typeface="나눔고딕" panose="020D0604000000000000" pitchFamily="50" charset="-127"/>
                 <a:ea typeface="나눔고딕" panose="020D0604000000000000" pitchFamily="50" charset="-127"/>
               </a:rPr>
-              <a:t>3</a:t>
-            </a:r>
-            <a:r>
-              <a:rPr lang="ko-KR" altLang="en-US" sz="3200">
+              <a:t>4</a:t>
+            </a:r>
+            <a:r>
+              <a:rPr lang="ko-KR" altLang="en-US" sz="3200" dirty="0" smtClean="0">
                 <a:solidFill>
                   <a:schemeClr val="bg1"/>
                 </a:solidFill>
@@ -4591,6 +4591,13 @@
   <p:clrMapOvr>
     <a:masterClrMapping/>
   </p:clrMapOvr>
+  <p:timing>
+    <p:tnLst>
+      <p:par>
+        <p:cTn id="1" dur="indefinite" restart="never" nodeType="tmRoot"/>
+      </p:par>
+    </p:tnLst>
+  </p:timing>
 </p:sld>
 </file>
 
@@ -5181,9 +5188,17 @@
             <a:br>
               <a:rPr lang="en-US" altLang="ko-KR" dirty="0"/>
             </a:br>
+            <a:r>
+              <a:rPr lang="en-US" altLang="ko-KR" dirty="0"/>
+              <a:t/>
+            </a:r>
             <a:br>
               <a:rPr lang="en-US" altLang="ko-KR" dirty="0"/>
             </a:br>
+            <a:r>
+              <a:rPr lang="en-US" altLang="ko-KR" dirty="0"/>
+              <a:t/>
+            </a:r>
             <a:br>
               <a:rPr lang="en-US" altLang="ko-KR" dirty="0"/>
             </a:br>
@@ -7439,13 +7454,13 @@
           <p:nvPr/>
         </p:nvPicPr>
         <p:blipFill>
-          <a:blip r:embed="rId2">
+          <a:blip r:embed="rId2" cstate="hqprint">
             <a:extLst>
               <a:ext uri="{28A0092B-C50C-407E-A947-70E740481C1C}">
                 <a14:useLocalDpi xmlns:a14="http://schemas.microsoft.com/office/drawing/2010/main" val="0"/>
               </a:ext>
               <a:ext uri="{96DAC541-7B7A-43D3-8B79-37D633B846F1}">
-                <asvg:svgBlip xmlns:asvg="http://schemas.microsoft.com/office/drawing/2016/SVG/main" r:embed="rId3"/>
+                <asvg:svgBlip xmlns:asvg="http://schemas.microsoft.com/office/drawing/2016/SVG/main" xmlns="" r:embed="rId3"/>
               </a:ext>
             </a:extLst>
           </a:blip>
@@ -9318,6 +9333,13 @@
   <p:clrMapOvr>
     <a:masterClrMapping/>
   </p:clrMapOvr>
+  <p:timing>
+    <p:tnLst>
+      <p:par>
+        <p:cTn id="1" dur="indefinite" restart="never" nodeType="tmRoot"/>
+      </p:par>
+    </p:tnLst>
+  </p:timing>
 </p:sld>
 </file>
 
@@ -9758,6 +9780,13 @@
   <p:clrMapOvr>
     <a:masterClrMapping/>
   </p:clrMapOvr>
+  <p:timing>
+    <p:tnLst>
+      <p:par>
+        <p:cTn id="1" dur="indefinite" restart="never" nodeType="tmRoot"/>
+      </p:par>
+    </p:tnLst>
+  </p:timing>
 </p:sld>
 </file>
 
@@ -10098,6 +10127,10 @@
               <a:rPr lang="ko-KR" altLang="en-US" sz="1200" dirty="0"/>
               <a:t>씬 뷰</a:t>
             </a:r>
+            <a:r>
+              <a:rPr lang="en-US" altLang="ko-KR" sz="1200" dirty="0"/>
+              <a:t/>
+            </a:r>
             <a:br>
               <a:rPr lang="en-US" altLang="ko-KR" sz="1200" dirty="0"/>
             </a:br>
@@ -10170,6 +10203,10 @@
             <a:r>
               <a:rPr lang="ko-KR" altLang="en-US" sz="1200" dirty="0"/>
               <a:t>게임 뷰</a:t>
+            </a:r>
+            <a:r>
+              <a:rPr lang="en-US" altLang="ko-KR" sz="1200" dirty="0"/>
+              <a:t/>
             </a:r>
             <a:br>
               <a:rPr lang="en-US" altLang="ko-KR" sz="1200" dirty="0"/>
@@ -10887,6 +10924,10 @@
               </a:rPr>
               <a:t>.</a:t>
             </a:r>
+            <a:r>
+              <a:rPr lang="en-US" altLang="ko-KR" dirty="0"/>
+              <a:t/>
+            </a:r>
             <a:br>
               <a:rPr lang="en-US" altLang="ko-KR" dirty="0"/>
             </a:br>
@@ -10909,6 +10950,16 @@
                 <a:latin typeface="Roboto"/>
               </a:rPr>
               <a:t>그 다음 순서대로 </a:t>
+            </a:r>
+            <a:r>
+              <a:rPr lang="en-US" altLang="ko-KR" b="0" i="0" dirty="0">
+                <a:solidFill>
+                  <a:srgbClr val="1B2229"/>
+                </a:solidFill>
+                <a:effectLst/>
+                <a:latin typeface="Roboto"/>
+              </a:rPr>
+              <a:t/>
             </a:r>
             <a:br>
               <a:rPr lang="en-US" altLang="ko-KR" b="0" i="0" dirty="0">
@@ -11238,6 +11289,15 @@
               </a:rPr>
               <a:t>기준점을 어디로 둘 것인지에 대한 설정 값입니다</a:t>
             </a:r>
+            <a:r>
+              <a:rPr lang="en-US" altLang="ko-KR" dirty="0">
+                <a:solidFill>
+                  <a:srgbClr val="1B2229"/>
+                </a:solidFill>
+                <a:latin typeface="Roboto"/>
+              </a:rPr>
+              <a:t/>
+            </a:r>
             <a:br>
               <a:rPr lang="en-US" altLang="ko-KR" dirty="0">
                 <a:solidFill>
@@ -11253,7 +11313,34 @@
                 </a:solidFill>
                 <a:latin typeface="Roboto"/>
               </a:rPr>
-              <a:t>   Pivot -&gt; </a:t>
+              <a:t>   Pivot </a:t>
+            </a:r>
+            <a:r>
+              <a:rPr lang="en-US" altLang="ko-KR">
+                <a:solidFill>
+                  <a:srgbClr val="1B2229"/>
+                </a:solidFill>
+                <a:latin typeface="Roboto"/>
+              </a:rPr>
+              <a:t>-&gt; </a:t>
+            </a:r>
+            <a:r>
+              <a:rPr lang="ko-KR" altLang="en-US" smtClean="0">
+                <a:solidFill>
+                  <a:srgbClr val="1B2229"/>
+                </a:solidFill>
+                <a:latin typeface="Roboto"/>
+              </a:rPr>
+              <a:t>처음</a:t>
+            </a:r>
+            <a:r>
+              <a:rPr lang="ko-KR" altLang="en-US" smtClean="0">
+                <a:solidFill>
+                  <a:srgbClr val="1B2229"/>
+                </a:solidFill>
+                <a:latin typeface="Roboto"/>
+              </a:rPr>
+              <a:t>에 </a:t>
             </a:r>
             <a:r>
               <a:rPr lang="ko-KR" altLang="en-US" dirty="0">
@@ -11262,7 +11349,16 @@
                 </a:solidFill>
                 <a:latin typeface="Roboto"/>
               </a:rPr>
-              <a:t>마지막에 선택된 얘를 기준점으로 설정함</a:t>
+              <a:t>선택된 얘를 기준점으로 설정함</a:t>
+            </a:r>
+            <a:r>
+              <a:rPr lang="en-US" altLang="ko-KR" dirty="0">
+                <a:solidFill>
+                  <a:srgbClr val="1B2229"/>
+                </a:solidFill>
+                <a:latin typeface="Roboto"/>
+              </a:rPr>
+              <a:t/>
             </a:r>
             <a:br>
               <a:rPr lang="en-US" altLang="ko-KR" dirty="0">
@@ -11384,6 +11480,13 @@
   <p:clrMapOvr>
     <a:masterClrMapping/>
   </p:clrMapOvr>
+  <p:timing>
+    <p:tnLst>
+      <p:par>
+        <p:cTn id="1" dur="indefinite" restart="never" nodeType="tmRoot"/>
+      </p:par>
+    </p:tnLst>
+  </p:timing>
 </p:sld>
 </file>
 
@@ -11703,6 +11806,13 @@
   <p:clrMapOvr>
     <a:masterClrMapping/>
   </p:clrMapOvr>
+  <p:timing>
+    <p:tnLst>
+      <p:par>
+        <p:cTn id="1" dur="indefinite" restart="never" nodeType="tmRoot"/>
+      </p:par>
+    </p:tnLst>
+  </p:timing>
 </p:sld>
 </file>
 
